--- a/PySpark.pptx
+++ b/PySpark.pptx
@@ -5,10 +5,10 @@
     <p:sldMasterId id="2147483672" r:id="rId1"/>
   </p:sldMasterIdLst>
   <p:notesMasterIdLst>
-    <p:notesMasterId r:id="rId18"/>
+    <p:notesMasterId r:id="rId22"/>
   </p:notesMasterIdLst>
   <p:handoutMasterIdLst>
-    <p:handoutMasterId r:id="rId19"/>
+    <p:handoutMasterId r:id="rId23"/>
   </p:handoutMasterIdLst>
   <p:sldIdLst>
     <p:sldId id="256" r:id="rId2"/>
@@ -25,38 +25,42 @@
     <p:sldId id="267" r:id="rId13"/>
     <p:sldId id="396" r:id="rId14"/>
     <p:sldId id="397" r:id="rId15"/>
-    <p:sldId id="398" r:id="rId16"/>
-    <p:sldId id="395" r:id="rId17"/>
+    <p:sldId id="399" r:id="rId16"/>
+    <p:sldId id="400" r:id="rId17"/>
+    <p:sldId id="401" r:id="rId18"/>
+    <p:sldId id="402" r:id="rId19"/>
+    <p:sldId id="398" r:id="rId20"/>
+    <p:sldId id="395" r:id="rId21"/>
   </p:sldIdLst>
   <p:sldSz cx="12192000" cy="6858000"/>
   <p:notesSz cx="6858000" cy="9144000"/>
   <p:embeddedFontLst>
     <p:embeddedFont>
-      <p:font typeface="NanumSquare Light" panose="020B0600000101010101" pitchFamily="50" charset="-127"/>
-      <p:regular r:id="rId20"/>
+      <p:font typeface="KoPub돋움체 Bold" panose="00000800000000000000" pitchFamily="2" charset="-127"/>
+      <p:bold r:id="rId24"/>
     </p:embeddedFont>
     <p:embeddedFont>
       <p:font typeface="Calibri" panose="020F0502020204030204" pitchFamily="34" charset="0"/>
-      <p:regular r:id="rId21"/>
-      <p:bold r:id="rId22"/>
-      <p:italic r:id="rId23"/>
-      <p:boldItalic r:id="rId24"/>
-    </p:embeddedFont>
-    <p:embeddedFont>
-      <p:font typeface="나눔스퀘어_ac Bold" panose="020B0600000101010101" pitchFamily="50" charset="-127"/>
       <p:regular r:id="rId25"/>
       <p:bold r:id="rId26"/>
       <p:italic r:id="rId27"/>
       <p:boldItalic r:id="rId28"/>
     </p:embeddedFont>
     <p:embeddedFont>
-      <p:font typeface="KoPub돋움체 Bold" panose="00000800000000000000" pitchFamily="2" charset="-127"/>
-      <p:bold r:id="rId29"/>
+      <p:font typeface="맑은 고딕" panose="020B0503020000020004" pitchFamily="50" charset="-127"/>
+      <p:regular r:id="rId29"/>
+      <p:bold r:id="rId30"/>
     </p:embeddedFont>
     <p:embeddedFont>
-      <p:font typeface="맑은 고딕" panose="020B0503020000020004" pitchFamily="50" charset="-127"/>
-      <p:regular r:id="rId30"/>
-      <p:bold r:id="rId31"/>
+      <p:font typeface="NanumSquare Light" panose="020B0600000101010101" pitchFamily="50" charset="-127"/>
+      <p:regular r:id="rId31"/>
+    </p:embeddedFont>
+    <p:embeddedFont>
+      <p:font typeface="나눔스퀘어_ac Bold" panose="020B0600000101010101" pitchFamily="50" charset="-127"/>
+      <p:regular r:id="rId32"/>
+      <p:bold r:id="rId33"/>
+      <p:italic r:id="rId34"/>
+      <p:boldItalic r:id="rId35"/>
     </p:embeddedFont>
   </p:embeddedFontLst>
   <p:defaultTextStyle>
@@ -267,7 +271,7 @@
               <a:pPr lvl="0">
                 <a:defRPr/>
               </a:pPr>
-              <a:t>01/14/2022</a:t>
+              <a:t>01/20/2022</a:t>
             </a:fld>
             <a:endParaRPr lang="en-KR"/>
           </a:p>
@@ -450,7 +454,7 @@
               <a:pPr lvl="0">
                 <a:defRPr/>
               </a:pPr>
-              <a:t>2022-01-14</a:t>
+              <a:t>2022-01-20</a:t>
             </a:fld>
             <a:endParaRPr lang="ko-KR" altLang="en-US"/>
           </a:p>
@@ -1232,7 +1236,7 @@
                 <a:tabLst/>
                 <a:defRPr/>
               </a:pPr>
-              <a:t>16</a:t>
+              <a:t>20</a:t>
             </a:fld>
             <a:endParaRPr kumimoji="0" lang="en-US" altLang="en-US" sz="1200" b="0" i="0" u="none" strike="noStrike" kern="1200" cap="none" spc="0" normalizeH="0" baseline="0" noProof="0">
               <a:ln>
@@ -1416,7 +1420,7 @@
           <a:p>
             <a:fld id="{04125618-9F2A-41CB-8CCA-FCFDA177616A}" type="datetime1">
               <a:rPr lang="ko-KR" altLang="en-US" smtClean="0"/>
-              <a:t>2022-01-14</a:t>
+              <a:t>2022-01-20</a:t>
             </a:fld>
             <a:endParaRPr lang="ko-KR" altLang="en-US" dirty="0"/>
           </a:p>
@@ -1614,7 +1618,7 @@
           <a:p>
             <a:fld id="{8014D417-F4E0-405D-9F8D-AB7615EDEE85}" type="datetime1">
               <a:rPr lang="ko-KR" altLang="en-US" smtClean="0"/>
-              <a:t>2022-01-14</a:t>
+              <a:t>2022-01-20</a:t>
             </a:fld>
             <a:endParaRPr lang="ko-KR" altLang="en-US"/>
           </a:p>
@@ -1822,7 +1826,7 @@
           <a:p>
             <a:fld id="{13E1652C-75F4-4A3D-B8CE-ED9F331EB434}" type="datetime1">
               <a:rPr lang="ko-KR" altLang="en-US" smtClean="0"/>
-              <a:t>2022-01-14</a:t>
+              <a:t>2022-01-20</a:t>
             </a:fld>
             <a:endParaRPr lang="ko-KR" altLang="en-US"/>
           </a:p>
@@ -2020,7 +2024,7 @@
           <a:p>
             <a:fld id="{335DECC6-A3DC-48BB-845F-5B936E269527}" type="datetime1">
               <a:rPr lang="ko-KR" altLang="en-US" smtClean="0"/>
-              <a:t>2022-01-14</a:t>
+              <a:t>2022-01-20</a:t>
             </a:fld>
             <a:endParaRPr lang="ko-KR" altLang="en-US" dirty="0"/>
           </a:p>
@@ -2295,7 +2299,7 @@
           <a:p>
             <a:fld id="{33D543B9-1F01-453C-A86A-C028CD43185A}" type="datetime1">
               <a:rPr lang="ko-KR" altLang="en-US" smtClean="0"/>
-              <a:t>2022-01-14</a:t>
+              <a:t>2022-01-20</a:t>
             </a:fld>
             <a:endParaRPr lang="ko-KR" altLang="en-US" dirty="0"/>
           </a:p>
@@ -2560,7 +2564,7 @@
           <a:p>
             <a:fld id="{585385CD-E15B-4003-AE46-4F344F249F02}" type="datetime1">
               <a:rPr lang="ko-KR" altLang="en-US" smtClean="0"/>
-              <a:t>2022-01-14</a:t>
+              <a:t>2022-01-20</a:t>
             </a:fld>
             <a:endParaRPr lang="ko-KR" altLang="en-US" dirty="0"/>
           </a:p>
@@ -2972,7 +2976,7 @@
           <a:p>
             <a:fld id="{E8F5672E-9E88-4EA9-80AD-D58C1E4838D7}" type="datetime1">
               <a:rPr lang="ko-KR" altLang="en-US" smtClean="0"/>
-              <a:t>2022-01-14</a:t>
+              <a:t>2022-01-20</a:t>
             </a:fld>
             <a:endParaRPr lang="ko-KR" altLang="en-US" dirty="0"/>
           </a:p>
@@ -3113,7 +3117,7 @@
           <a:p>
             <a:fld id="{844E68DE-2279-4343-AA9B-B6A2980936A6}" type="datetime1">
               <a:rPr lang="ko-KR" altLang="en-US" smtClean="0"/>
-              <a:t>2022-01-14</a:t>
+              <a:t>2022-01-20</a:t>
             </a:fld>
             <a:endParaRPr lang="ko-KR" altLang="en-US" dirty="0"/>
           </a:p>
@@ -3231,7 +3235,7 @@
           <a:p>
             <a:fld id="{8546F4CE-D7DF-4D94-810A-68DC356C221F}" type="datetime1">
               <a:rPr lang="ko-KR" altLang="en-US" smtClean="0"/>
-              <a:t>2022-01-14</a:t>
+              <a:t>2022-01-20</a:t>
             </a:fld>
             <a:endParaRPr lang="ko-KR" altLang="en-US" dirty="0"/>
           </a:p>
@@ -3825,7 +3829,7 @@
           <a:p>
             <a:fld id="{1985A87C-8A59-40FB-A21F-6FE4938021EA}" type="datetime1">
               <a:rPr lang="ko-KR" altLang="en-US" smtClean="0"/>
-              <a:t>2022-01-14</a:t>
+              <a:t>2022-01-20</a:t>
             </a:fld>
             <a:endParaRPr lang="ko-KR" altLang="en-US"/>
           </a:p>
@@ -4113,7 +4117,7 @@
           <a:p>
             <a:fld id="{CF2E725A-3BE9-4B72-AA81-83FDCADA831F}" type="datetime1">
               <a:rPr lang="ko-KR" altLang="en-US" smtClean="0"/>
-              <a:t>2022-01-14</a:t>
+              <a:t>2022-01-20</a:t>
             </a:fld>
             <a:endParaRPr lang="ko-KR" altLang="en-US"/>
           </a:p>
@@ -4354,7 +4358,7 @@
           <a:p>
             <a:fld id="{89CD25DC-961E-48F6-A1F1-3FA6B2F311AE}" type="datetime1">
               <a:rPr lang="ko-KR" altLang="en-US" smtClean="0"/>
-              <a:t>2022-01-14</a:t>
+              <a:t>2022-01-20</a:t>
             </a:fld>
             <a:endParaRPr lang="ko-KR" altLang="en-US" dirty="0"/>
           </a:p>
@@ -7266,6 +7270,2229 @@
         <p:spPr>
           <a:xfrm>
             <a:off x="228599" y="183284"/>
+            <a:ext cx="2432076" cy="523220"/>
+          </a:xfrm>
+          <a:prstGeom prst="rect">
+            <a:avLst/>
+          </a:prstGeom>
+          <a:noFill/>
+        </p:spPr>
+        <p:txBody>
+          <a:bodyPr wrap="none" rtlCol="0">
+            <a:spAutoFit/>
+          </a:bodyPr>
+          <a:lstStyle/>
+          <a:p>
+            <a:pPr marL="0" marR="0" lvl="0" indent="0" algn="l" defTabSz="914400" rtl="0" eaLnBrk="1" fontAlgn="auto" latinLnBrk="1" hangingPunct="1">
+              <a:lnSpc>
+                <a:spcPct val="100000"/>
+              </a:lnSpc>
+              <a:spcBef>
+                <a:spcPts val="0"/>
+              </a:spcBef>
+              <a:spcAft>
+                <a:spcPts val="0"/>
+              </a:spcAft>
+              <a:buClrTx/>
+              <a:buSzTx/>
+              <a:buFontTx/>
+              <a:buNone/>
+              <a:tabLst/>
+              <a:defRPr/>
+            </a:pPr>
+            <a:r>
+              <a:rPr kumimoji="0" lang="en-US" altLang="ko-KR" sz="2800" b="1" u="none" strike="noStrike" kern="1200" cap="none" spc="0" normalizeH="0" baseline="0" noProof="0" dirty="0">
+                <a:ln>
+                  <a:noFill/>
+                </a:ln>
+                <a:effectLst/>
+                <a:uLnTx/>
+                <a:uFillTx/>
+                <a:latin typeface="KoPub돋움체 Bold" panose="00000800000000000000" pitchFamily="2" charset="-127"/>
+                <a:ea typeface="KoPub돋움체 Bold" panose="00000800000000000000" pitchFamily="2" charset="-127"/>
+              </a:rPr>
+              <a:t>01. </a:t>
+            </a:r>
+            <a:r>
+              <a:rPr kumimoji="0" lang="en-US" altLang="ko-KR" sz="2800" b="1" u="none" strike="noStrike" kern="1200" cap="none" spc="0" normalizeH="0" baseline="0" noProof="0" dirty="0" smtClean="0">
+                <a:ln>
+                  <a:noFill/>
+                </a:ln>
+                <a:effectLst/>
+                <a:uLnTx/>
+                <a:uFillTx/>
+                <a:latin typeface="KoPub돋움체 Bold" panose="00000800000000000000" pitchFamily="2" charset="-127"/>
+                <a:ea typeface="KoPub돋움체 Bold" panose="00000800000000000000" pitchFamily="2" charset="-127"/>
+              </a:rPr>
+              <a:t>Spark</a:t>
+            </a:r>
+            <a:r>
+              <a:rPr lang="ko-KR" altLang="en-US" sz="2800" b="1" dirty="0" smtClean="0">
+                <a:latin typeface="KoPub돋움체 Bold" panose="00000800000000000000" pitchFamily="2" charset="-127"/>
+                <a:ea typeface="KoPub돋움체 Bold" panose="00000800000000000000" pitchFamily="2" charset="-127"/>
+              </a:rPr>
+              <a:t> 개요</a:t>
+            </a:r>
+            <a:endParaRPr kumimoji="0" lang="ko-KR" altLang="en-US" sz="2800" b="1" u="none" strike="noStrike" kern="1200" cap="none" spc="0" normalizeH="0" baseline="0" noProof="0" dirty="0">
+              <a:ln>
+                <a:noFill/>
+              </a:ln>
+              <a:effectLst/>
+              <a:uLnTx/>
+              <a:uFillTx/>
+              <a:latin typeface="KoPub돋움체 Bold" panose="00000800000000000000" pitchFamily="2" charset="-127"/>
+              <a:ea typeface="KoPub돋움체 Bold" panose="00000800000000000000" pitchFamily="2" charset="-127"/>
+            </a:endParaRPr>
+          </a:p>
+        </p:txBody>
+      </p:sp>
+      <p:sp>
+        <p:nvSpPr>
+          <p:cNvPr id="6" name="Rectangle 7">
+            <a:extLst>
+              <a:ext uri="{FF2B5EF4-FFF2-40B4-BE49-F238E27FC236}">
+                <a16:creationId xmlns:a16="http://schemas.microsoft.com/office/drawing/2014/main" id="{48F60409-0E67-6A43-850F-EC768F4784E4}"/>
+              </a:ext>
+            </a:extLst>
+          </p:cNvPr>
+          <p:cNvSpPr/>
+          <p:nvPr/>
+        </p:nvSpPr>
+        <p:spPr>
+          <a:xfrm>
+            <a:off x="686296" y="1244077"/>
+            <a:ext cx="10839398" cy="1200329"/>
+          </a:xfrm>
+          <a:prstGeom prst="rect">
+            <a:avLst/>
+          </a:prstGeom>
+        </p:spPr>
+        <p:txBody>
+          <a:bodyPr wrap="square">
+            <a:spAutoFit/>
+          </a:bodyPr>
+          <a:lstStyle/>
+          <a:p>
+            <a:pPr marL="285750" indent="-285750">
+              <a:lnSpc>
+                <a:spcPct val="200000"/>
+              </a:lnSpc>
+              <a:buFont typeface="Arial" panose="020B0604020202020204" pitchFamily="34" charset="0"/>
+              <a:buChar char="•"/>
+              <a:defRPr/>
+            </a:pPr>
+            <a:r>
+              <a:rPr lang="en-US" dirty="0" smtClean="0">
+                <a:latin typeface="KoPub돋움체 Bold" panose="00000800000000000000" pitchFamily="2" charset="-127"/>
+                <a:ea typeface="KoPub돋움체 Bold" panose="00000800000000000000" pitchFamily="2" charset="-127"/>
+              </a:rPr>
+              <a:t>Apache Spark</a:t>
+            </a:r>
+            <a:r>
+              <a:rPr lang="ko-KR" altLang="en-US" dirty="0" smtClean="0">
+                <a:latin typeface="KoPub돋움체 Bold" panose="00000800000000000000" pitchFamily="2" charset="-127"/>
+                <a:ea typeface="KoPub돋움체 Bold" panose="00000800000000000000" pitchFamily="2" charset="-127"/>
+              </a:rPr>
+              <a:t>는 </a:t>
+            </a:r>
+            <a:r>
+              <a:rPr lang="en-US" altLang="ko-KR" dirty="0" smtClean="0">
+                <a:latin typeface="KoPub돋움체 Bold" panose="00000800000000000000" pitchFamily="2" charset="-127"/>
+                <a:ea typeface="KoPub돋움체 Bold" panose="00000800000000000000" pitchFamily="2" charset="-127"/>
+              </a:rPr>
+              <a:t>2011</a:t>
+            </a:r>
+            <a:r>
+              <a:rPr lang="ko-KR" altLang="en-US" dirty="0" smtClean="0">
+                <a:latin typeface="KoPub돋움체 Bold" panose="00000800000000000000" pitchFamily="2" charset="-127"/>
+                <a:ea typeface="KoPub돋움체 Bold" panose="00000800000000000000" pitchFamily="2" charset="-127"/>
+              </a:rPr>
+              <a:t>년 버클리 대학의 </a:t>
+            </a:r>
+            <a:r>
+              <a:rPr lang="en-US" altLang="ko-KR" dirty="0" err="1" smtClean="0">
+                <a:latin typeface="KoPub돋움체 Bold" panose="00000800000000000000" pitchFamily="2" charset="-127"/>
+                <a:ea typeface="KoPub돋움체 Bold" panose="00000800000000000000" pitchFamily="2" charset="-127"/>
+              </a:rPr>
+              <a:t>AMPLab</a:t>
+            </a:r>
+            <a:r>
+              <a:rPr lang="ko-KR" altLang="en-US" dirty="0" smtClean="0">
+                <a:latin typeface="KoPub돋움체 Bold" panose="00000800000000000000" pitchFamily="2" charset="-127"/>
+                <a:ea typeface="KoPub돋움체 Bold" panose="00000800000000000000" pitchFamily="2" charset="-127"/>
+              </a:rPr>
+              <a:t>에서 개발됨</a:t>
+            </a:r>
+            <a:endParaRPr lang="en-US" altLang="ko-KR" dirty="0" smtClean="0">
+              <a:latin typeface="KoPub돋움체 Bold" panose="00000800000000000000" pitchFamily="2" charset="-127"/>
+              <a:ea typeface="KoPub돋움체 Bold" panose="00000800000000000000" pitchFamily="2" charset="-127"/>
+            </a:endParaRPr>
+          </a:p>
+          <a:p>
+            <a:pPr marL="285750" indent="-285750">
+              <a:lnSpc>
+                <a:spcPct val="200000"/>
+              </a:lnSpc>
+              <a:buFont typeface="Arial" panose="020B0604020202020204" pitchFamily="34" charset="0"/>
+              <a:buChar char="•"/>
+              <a:defRPr/>
+            </a:pPr>
+            <a:r>
+              <a:rPr lang="ko-KR" altLang="en-US" dirty="0" err="1" smtClean="0">
+                <a:latin typeface="KoPub돋움체 Bold" panose="00000800000000000000" pitchFamily="2" charset="-127"/>
+                <a:ea typeface="KoPub돋움체 Bold" panose="00000800000000000000" pitchFamily="2" charset="-127"/>
+              </a:rPr>
+              <a:t>인메모리</a:t>
+            </a:r>
+            <a:r>
+              <a:rPr lang="ko-KR" altLang="en-US" dirty="0" smtClean="0">
+                <a:latin typeface="KoPub돋움체 Bold" panose="00000800000000000000" pitchFamily="2" charset="-127"/>
+                <a:ea typeface="KoPub돋움체 Bold" panose="00000800000000000000" pitchFamily="2" charset="-127"/>
+              </a:rPr>
+              <a:t> 기반의 대용량 데이터 고속 처리 엔진이며</a:t>
+            </a:r>
+            <a:r>
+              <a:rPr lang="en-US" altLang="ko-KR" dirty="0" smtClean="0">
+                <a:latin typeface="KoPub돋움체 Bold" panose="00000800000000000000" pitchFamily="2" charset="-127"/>
+                <a:ea typeface="KoPub돋움체 Bold" panose="00000800000000000000" pitchFamily="2" charset="-127"/>
+              </a:rPr>
+              <a:t>, </a:t>
+            </a:r>
+            <a:r>
+              <a:rPr lang="ko-KR" altLang="en-US" dirty="0" smtClean="0">
+                <a:latin typeface="KoPub돋움체 Bold" panose="00000800000000000000" pitchFamily="2" charset="-127"/>
+                <a:ea typeface="KoPub돋움체 Bold" panose="00000800000000000000" pitchFamily="2" charset="-127"/>
+              </a:rPr>
+              <a:t>범용 분산 클러스터 컴퓨팅 프레임워크</a:t>
+            </a:r>
+            <a:endParaRPr lang="en-US" altLang="ko-KR" dirty="0" smtClean="0">
+              <a:latin typeface="KoPub돋움체 Bold" panose="00000800000000000000" pitchFamily="2" charset="-127"/>
+              <a:ea typeface="KoPub돋움체 Bold" panose="00000800000000000000" pitchFamily="2" charset="-127"/>
+            </a:endParaRPr>
+          </a:p>
+        </p:txBody>
+      </p:sp>
+      <p:pic>
+        <p:nvPicPr>
+          <p:cNvPr id="2" name="Picture 2" descr="PySpark] Apache Spark 와 RDD 자료구조"/>
+          <p:cNvPicPr>
+            <a:picLocks noChangeAspect="1" noChangeArrowheads="1"/>
+          </p:cNvPicPr>
+          <p:nvPr/>
+        </p:nvPicPr>
+        <p:blipFill>
+          <a:blip r:embed="rId2">
+            <a:extLst>
+              <a:ext uri="{28A0092B-C50C-407E-A947-70E740481C1C}">
+                <a14:useLocalDpi xmlns:a14="http://schemas.microsoft.com/office/drawing/2010/main" val="0"/>
+              </a:ext>
+            </a:extLst>
+          </a:blip>
+          <a:srcRect/>
+          <a:stretch>
+            <a:fillRect/>
+          </a:stretch>
+        </p:blipFill>
+        <p:spPr bwMode="auto">
+          <a:xfrm>
+            <a:off x="1095387" y="2629404"/>
+            <a:ext cx="7419975" cy="3524251"/>
+          </a:xfrm>
+          <a:prstGeom prst="rect">
+            <a:avLst/>
+          </a:prstGeom>
+          <a:noFill/>
+          <a:extLst>
+            <a:ext uri="{909E8E84-426E-40DD-AFC4-6F175D3DCCD1}">
+              <a14:hiddenFill xmlns:a14="http://schemas.microsoft.com/office/drawing/2010/main">
+                <a:solidFill>
+                  <a:srgbClr val="FFFFFF"/>
+                </a:solidFill>
+              </a14:hiddenFill>
+            </a:ext>
+          </a:extLst>
+        </p:spPr>
+      </p:pic>
+    </p:spTree>
+    <p:extLst>
+      <p:ext uri="{BB962C8B-B14F-4D97-AF65-F5344CB8AC3E}">
+        <p14:creationId xmlns:p14="http://schemas.microsoft.com/office/powerpoint/2010/main" val="3921688357"/>
+      </p:ext>
+    </p:extLst>
+  </p:cSld>
+  <p:clrMapOvr>
+    <a:masterClrMapping/>
+  </p:clrMapOvr>
+</p:sld>
+</file>
+
+<file path=ppt/slides/slide16.xml><?xml version="1.0" encoding="utf-8"?>
+<p:sld xmlns:a="http://schemas.openxmlformats.org/drawingml/2006/main" xmlns:r="http://schemas.openxmlformats.org/officeDocument/2006/relationships" xmlns:p="http://schemas.openxmlformats.org/presentationml/2006/main">
+  <p:cSld>
+    <p:spTree>
+      <p:nvGrpSpPr>
+        <p:cNvPr id="1" name=""/>
+        <p:cNvGrpSpPr/>
+        <p:nvPr/>
+      </p:nvGrpSpPr>
+      <p:grpSpPr>
+        <a:xfrm>
+          <a:off x="0" y="0"/>
+          <a:ext cx="0" cy="0"/>
+          <a:chOff x="0" y="0"/>
+          <a:chExt cx="0" cy="0"/>
+        </a:xfrm>
+      </p:grpSpPr>
+      <p:sp>
+        <p:nvSpPr>
+          <p:cNvPr id="5" name="슬라이드 번호 개체 틀 4">
+            <a:extLst>
+              <a:ext uri="{FF2B5EF4-FFF2-40B4-BE49-F238E27FC236}">
+                <a16:creationId xmlns:a16="http://schemas.microsoft.com/office/drawing/2014/main" id="{B286C171-7A3F-4972-8BC5-03654296A393}"/>
+              </a:ext>
+            </a:extLst>
+          </p:cNvPr>
+          <p:cNvSpPr>
+            <a:spLocks noGrp="1"/>
+          </p:cNvSpPr>
+          <p:nvPr>
+            <p:ph type="sldNum" sz="quarter" idx="12"/>
+          </p:nvPr>
+        </p:nvSpPr>
+        <p:spPr>
+          <a:xfrm>
+            <a:off x="9171530" y="6338653"/>
+            <a:ext cx="2743200" cy="365125"/>
+          </a:xfrm>
+        </p:spPr>
+        <p:txBody>
+          <a:bodyPr/>
+          <a:lstStyle/>
+          <a:p>
+            <a:pPr marL="0" marR="0" lvl="0" indent="0" algn="r" defTabSz="914400" rtl="0" eaLnBrk="1" fontAlgn="auto" latinLnBrk="1" hangingPunct="1">
+              <a:lnSpc>
+                <a:spcPct val="100000"/>
+              </a:lnSpc>
+              <a:spcBef>
+                <a:spcPts val="0"/>
+              </a:spcBef>
+              <a:spcAft>
+                <a:spcPts val="0"/>
+              </a:spcAft>
+              <a:buClrTx/>
+              <a:buSzTx/>
+              <a:buFontTx/>
+              <a:buNone/>
+              <a:tabLst/>
+              <a:defRPr/>
+            </a:pPr>
+            <a:r>
+              <a:rPr kumimoji="0" lang="en-US" altLang="ko-KR" sz="1000" b="0" i="0" u="none" strike="noStrike" kern="1200" cap="none" spc="0" normalizeH="0" baseline="0" noProof="0">
+                <a:ln>
+                  <a:noFill/>
+                </a:ln>
+                <a:solidFill>
+                  <a:prstClr val="black"/>
+                </a:solidFill>
+                <a:effectLst/>
+                <a:uLnTx/>
+                <a:uFillTx/>
+                <a:latin typeface="KoPub돋움체 Bold" panose="00000800000000000000" pitchFamily="2" charset="-127"/>
+                <a:ea typeface="KoPub돋움체 Bold" panose="00000800000000000000" pitchFamily="2" charset="-127"/>
+              </a:rPr>
+              <a:t>- </a:t>
+            </a:r>
+            <a:fld id="{AF13D911-202B-4710-8554-D7B423191ADD}" type="slidenum">
+              <a:rPr kumimoji="0" lang="ko-KR" altLang="en-US" sz="1000" b="0" i="0" u="none" strike="noStrike" kern="1200" cap="none" spc="0" normalizeH="0" baseline="0" noProof="0" smtClean="0">
+                <a:ln>
+                  <a:noFill/>
+                </a:ln>
+                <a:solidFill>
+                  <a:prstClr val="black"/>
+                </a:solidFill>
+                <a:effectLst/>
+                <a:uLnTx/>
+                <a:uFillTx/>
+                <a:latin typeface="KoPub돋움체 Bold" panose="00000800000000000000" pitchFamily="2" charset="-127"/>
+                <a:ea typeface="KoPub돋움체 Bold" panose="00000800000000000000" pitchFamily="2" charset="-127"/>
+              </a:rPr>
+              <a:pPr marL="0" marR="0" lvl="0" indent="0" algn="r" defTabSz="914400" rtl="0" eaLnBrk="1" fontAlgn="auto" latinLnBrk="1" hangingPunct="1">
+                <a:lnSpc>
+                  <a:spcPct val="100000"/>
+                </a:lnSpc>
+                <a:spcBef>
+                  <a:spcPts val="0"/>
+                </a:spcBef>
+                <a:spcAft>
+                  <a:spcPts val="0"/>
+                </a:spcAft>
+                <a:buClrTx/>
+                <a:buSzTx/>
+                <a:buFontTx/>
+                <a:buNone/>
+                <a:tabLst/>
+                <a:defRPr/>
+              </a:pPr>
+              <a:t>16</a:t>
+            </a:fld>
+            <a:r>
+              <a:rPr kumimoji="0" lang="ko-KR" altLang="en-US" sz="1000" b="0" i="0" u="none" strike="noStrike" kern="1200" cap="none" spc="0" normalizeH="0" baseline="0" noProof="0">
+                <a:ln>
+                  <a:noFill/>
+                </a:ln>
+                <a:solidFill>
+                  <a:prstClr val="black"/>
+                </a:solidFill>
+                <a:effectLst/>
+                <a:uLnTx/>
+                <a:uFillTx/>
+                <a:latin typeface="KoPub돋움체 Bold" panose="00000800000000000000" pitchFamily="2" charset="-127"/>
+                <a:ea typeface="KoPub돋움체 Bold" panose="00000800000000000000" pitchFamily="2" charset="-127"/>
+              </a:rPr>
+              <a:t> </a:t>
+            </a:r>
+            <a:r>
+              <a:rPr kumimoji="0" lang="en-US" altLang="ko-KR" sz="1000" b="0" i="0" u="none" strike="noStrike" kern="1200" cap="none" spc="0" normalizeH="0" baseline="0" noProof="0">
+                <a:ln>
+                  <a:noFill/>
+                </a:ln>
+                <a:solidFill>
+                  <a:prstClr val="black"/>
+                </a:solidFill>
+                <a:effectLst/>
+                <a:uLnTx/>
+                <a:uFillTx/>
+                <a:latin typeface="KoPub돋움체 Bold" panose="00000800000000000000" pitchFamily="2" charset="-127"/>
+                <a:ea typeface="KoPub돋움체 Bold" panose="00000800000000000000" pitchFamily="2" charset="-127"/>
+              </a:rPr>
+              <a:t>-</a:t>
+            </a:r>
+            <a:endParaRPr kumimoji="0" lang="ko-KR" altLang="en-US" sz="1000" b="0" i="0" u="none" strike="noStrike" kern="1200" cap="none" spc="0" normalizeH="0" baseline="0" noProof="0" dirty="0">
+              <a:ln>
+                <a:noFill/>
+              </a:ln>
+              <a:solidFill>
+                <a:prstClr val="black"/>
+              </a:solidFill>
+              <a:effectLst/>
+              <a:uLnTx/>
+              <a:uFillTx/>
+              <a:latin typeface="KoPub돋움체 Bold" panose="00000800000000000000" pitchFamily="2" charset="-127"/>
+              <a:ea typeface="KoPub돋움체 Bold" panose="00000800000000000000" pitchFamily="2" charset="-127"/>
+            </a:endParaRPr>
+          </a:p>
+        </p:txBody>
+      </p:sp>
+      <p:sp>
+        <p:nvSpPr>
+          <p:cNvPr id="9" name="TextBox 8">
+            <a:extLst>
+              <a:ext uri="{FF2B5EF4-FFF2-40B4-BE49-F238E27FC236}">
+                <a16:creationId xmlns:a16="http://schemas.microsoft.com/office/drawing/2014/main" id="{2D8951C7-18CC-A541-B06D-8698A629A702}"/>
+              </a:ext>
+            </a:extLst>
+          </p:cNvPr>
+          <p:cNvSpPr txBox="1"/>
+          <p:nvPr/>
+        </p:nvSpPr>
+        <p:spPr>
+          <a:xfrm>
+            <a:off x="228599" y="183284"/>
+            <a:ext cx="4211538" cy="523220"/>
+          </a:xfrm>
+          <a:prstGeom prst="rect">
+            <a:avLst/>
+          </a:prstGeom>
+          <a:noFill/>
+        </p:spPr>
+        <p:txBody>
+          <a:bodyPr wrap="none" rtlCol="0">
+            <a:spAutoFit/>
+          </a:bodyPr>
+          <a:lstStyle/>
+          <a:p>
+            <a:pPr marL="0" marR="0" lvl="0" indent="0" algn="l" defTabSz="914400" rtl="0" eaLnBrk="1" fontAlgn="auto" latinLnBrk="1" hangingPunct="1">
+              <a:lnSpc>
+                <a:spcPct val="100000"/>
+              </a:lnSpc>
+              <a:spcBef>
+                <a:spcPts val="0"/>
+              </a:spcBef>
+              <a:spcAft>
+                <a:spcPts val="0"/>
+              </a:spcAft>
+              <a:buClrTx/>
+              <a:buSzTx/>
+              <a:buFontTx/>
+              <a:buNone/>
+              <a:tabLst/>
+              <a:defRPr/>
+            </a:pPr>
+            <a:r>
+              <a:rPr kumimoji="0" lang="en-US" altLang="ko-KR" sz="2800" b="1" u="none" strike="noStrike" kern="1200" cap="none" spc="0" normalizeH="0" baseline="0" noProof="0" dirty="0" smtClean="0">
+                <a:ln>
+                  <a:noFill/>
+                </a:ln>
+                <a:effectLst/>
+                <a:uLnTx/>
+                <a:uFillTx/>
+                <a:latin typeface="KoPub돋움체 Bold" panose="00000800000000000000" pitchFamily="2" charset="-127"/>
+                <a:ea typeface="KoPub돋움체 Bold" panose="00000800000000000000" pitchFamily="2" charset="-127"/>
+              </a:rPr>
+              <a:t>02. </a:t>
+            </a:r>
+            <a:r>
+              <a:rPr lang="en-US" altLang="ko-KR" sz="2800" b="1" dirty="0" smtClean="0">
+                <a:latin typeface="KoPub돋움체 Bold" panose="00000800000000000000" pitchFamily="2" charset="-127"/>
+                <a:ea typeface="KoPub돋움체 Bold" panose="00000800000000000000" pitchFamily="2" charset="-127"/>
+              </a:rPr>
+              <a:t>History of Spark APIs</a:t>
+            </a:r>
+            <a:endParaRPr kumimoji="0" lang="ko-KR" altLang="en-US" sz="2800" b="1" u="none" strike="noStrike" kern="1200" cap="none" spc="0" normalizeH="0" baseline="0" noProof="0" dirty="0">
+              <a:ln>
+                <a:noFill/>
+              </a:ln>
+              <a:effectLst/>
+              <a:uLnTx/>
+              <a:uFillTx/>
+              <a:latin typeface="KoPub돋움체 Bold" panose="00000800000000000000" pitchFamily="2" charset="-127"/>
+              <a:ea typeface="KoPub돋움체 Bold" panose="00000800000000000000" pitchFamily="2" charset="-127"/>
+            </a:endParaRPr>
+          </a:p>
+        </p:txBody>
+      </p:sp>
+      <p:pic>
+        <p:nvPicPr>
+          <p:cNvPr id="2050" name="Picture 2" descr="dataset, dataframe"/>
+          <p:cNvPicPr>
+            <a:picLocks noChangeAspect="1" noChangeArrowheads="1"/>
+          </p:cNvPicPr>
+          <p:nvPr/>
+        </p:nvPicPr>
+        <p:blipFill rotWithShape="1">
+          <a:blip r:embed="rId2">
+            <a:extLst>
+              <a:ext uri="{28A0092B-C50C-407E-A947-70E740481C1C}">
+                <a14:useLocalDpi xmlns:a14="http://schemas.microsoft.com/office/drawing/2010/main" val="0"/>
+              </a:ext>
+            </a:extLst>
+          </a:blip>
+          <a:srcRect t="18624"/>
+          <a:stretch/>
+        </p:blipFill>
+        <p:spPr bwMode="auto">
+          <a:xfrm>
+            <a:off x="630136" y="992254"/>
+            <a:ext cx="10759667" cy="5084695"/>
+          </a:xfrm>
+          <a:prstGeom prst="rect">
+            <a:avLst/>
+          </a:prstGeom>
+          <a:noFill/>
+          <a:extLst>
+            <a:ext uri="{909E8E84-426E-40DD-AFC4-6F175D3DCCD1}">
+              <a14:hiddenFill xmlns:a14="http://schemas.microsoft.com/office/drawing/2010/main">
+                <a:solidFill>
+                  <a:srgbClr val="FFFFFF"/>
+                </a:solidFill>
+              </a14:hiddenFill>
+            </a:ext>
+          </a:extLst>
+        </p:spPr>
+      </p:pic>
+    </p:spTree>
+    <p:extLst>
+      <p:ext uri="{BB962C8B-B14F-4D97-AF65-F5344CB8AC3E}">
+        <p14:creationId xmlns:p14="http://schemas.microsoft.com/office/powerpoint/2010/main" val="1573575954"/>
+      </p:ext>
+    </p:extLst>
+  </p:cSld>
+  <p:clrMapOvr>
+    <a:masterClrMapping/>
+  </p:clrMapOvr>
+</p:sld>
+</file>
+
+<file path=ppt/slides/slide17.xml><?xml version="1.0" encoding="utf-8"?>
+<p:sld xmlns:a="http://schemas.openxmlformats.org/drawingml/2006/main" xmlns:r="http://schemas.openxmlformats.org/officeDocument/2006/relationships" xmlns:p="http://schemas.openxmlformats.org/presentationml/2006/main">
+  <p:cSld>
+    <p:spTree>
+      <p:nvGrpSpPr>
+        <p:cNvPr id="1" name=""/>
+        <p:cNvGrpSpPr/>
+        <p:nvPr/>
+      </p:nvGrpSpPr>
+      <p:grpSpPr>
+        <a:xfrm>
+          <a:off x="0" y="0"/>
+          <a:ext cx="0" cy="0"/>
+          <a:chOff x="0" y="0"/>
+          <a:chExt cx="0" cy="0"/>
+        </a:xfrm>
+      </p:grpSpPr>
+      <p:sp>
+        <p:nvSpPr>
+          <p:cNvPr id="5" name="슬라이드 번호 개체 틀 4">
+            <a:extLst>
+              <a:ext uri="{FF2B5EF4-FFF2-40B4-BE49-F238E27FC236}">
+                <a16:creationId xmlns:a16="http://schemas.microsoft.com/office/drawing/2014/main" id="{B286C171-7A3F-4972-8BC5-03654296A393}"/>
+              </a:ext>
+            </a:extLst>
+          </p:cNvPr>
+          <p:cNvSpPr>
+            <a:spLocks noGrp="1"/>
+          </p:cNvSpPr>
+          <p:nvPr>
+            <p:ph type="sldNum" sz="quarter" idx="12"/>
+          </p:nvPr>
+        </p:nvSpPr>
+        <p:spPr>
+          <a:xfrm>
+            <a:off x="9171530" y="6338653"/>
+            <a:ext cx="2743200" cy="365125"/>
+          </a:xfrm>
+        </p:spPr>
+        <p:txBody>
+          <a:bodyPr/>
+          <a:lstStyle/>
+          <a:p>
+            <a:pPr marL="0" marR="0" lvl="0" indent="0" algn="r" defTabSz="914400" rtl="0" eaLnBrk="1" fontAlgn="auto" latinLnBrk="1" hangingPunct="1">
+              <a:lnSpc>
+                <a:spcPct val="100000"/>
+              </a:lnSpc>
+              <a:spcBef>
+                <a:spcPts val="0"/>
+              </a:spcBef>
+              <a:spcAft>
+                <a:spcPts val="0"/>
+              </a:spcAft>
+              <a:buClrTx/>
+              <a:buSzTx/>
+              <a:buFontTx/>
+              <a:buNone/>
+              <a:tabLst/>
+              <a:defRPr/>
+            </a:pPr>
+            <a:r>
+              <a:rPr kumimoji="0" lang="en-US" altLang="ko-KR" sz="1000" b="0" i="0" u="none" strike="noStrike" kern="1200" cap="none" spc="0" normalizeH="0" baseline="0" noProof="0">
+                <a:ln>
+                  <a:noFill/>
+                </a:ln>
+                <a:solidFill>
+                  <a:prstClr val="black"/>
+                </a:solidFill>
+                <a:effectLst/>
+                <a:uLnTx/>
+                <a:uFillTx/>
+                <a:latin typeface="KoPub돋움체 Bold" panose="00000800000000000000" pitchFamily="2" charset="-127"/>
+                <a:ea typeface="KoPub돋움체 Bold" panose="00000800000000000000" pitchFamily="2" charset="-127"/>
+              </a:rPr>
+              <a:t>- </a:t>
+            </a:r>
+            <a:fld id="{AF13D911-202B-4710-8554-D7B423191ADD}" type="slidenum">
+              <a:rPr kumimoji="0" lang="ko-KR" altLang="en-US" sz="1000" b="0" i="0" u="none" strike="noStrike" kern="1200" cap="none" spc="0" normalizeH="0" baseline="0" noProof="0" smtClean="0">
+                <a:ln>
+                  <a:noFill/>
+                </a:ln>
+                <a:solidFill>
+                  <a:prstClr val="black"/>
+                </a:solidFill>
+                <a:effectLst/>
+                <a:uLnTx/>
+                <a:uFillTx/>
+                <a:latin typeface="KoPub돋움체 Bold" panose="00000800000000000000" pitchFamily="2" charset="-127"/>
+                <a:ea typeface="KoPub돋움체 Bold" panose="00000800000000000000" pitchFamily="2" charset="-127"/>
+              </a:rPr>
+              <a:pPr marL="0" marR="0" lvl="0" indent="0" algn="r" defTabSz="914400" rtl="0" eaLnBrk="1" fontAlgn="auto" latinLnBrk="1" hangingPunct="1">
+                <a:lnSpc>
+                  <a:spcPct val="100000"/>
+                </a:lnSpc>
+                <a:spcBef>
+                  <a:spcPts val="0"/>
+                </a:spcBef>
+                <a:spcAft>
+                  <a:spcPts val="0"/>
+                </a:spcAft>
+                <a:buClrTx/>
+                <a:buSzTx/>
+                <a:buFontTx/>
+                <a:buNone/>
+                <a:tabLst/>
+                <a:defRPr/>
+              </a:pPr>
+              <a:t>17</a:t>
+            </a:fld>
+            <a:r>
+              <a:rPr kumimoji="0" lang="ko-KR" altLang="en-US" sz="1000" b="0" i="0" u="none" strike="noStrike" kern="1200" cap="none" spc="0" normalizeH="0" baseline="0" noProof="0">
+                <a:ln>
+                  <a:noFill/>
+                </a:ln>
+                <a:solidFill>
+                  <a:prstClr val="black"/>
+                </a:solidFill>
+                <a:effectLst/>
+                <a:uLnTx/>
+                <a:uFillTx/>
+                <a:latin typeface="KoPub돋움체 Bold" panose="00000800000000000000" pitchFamily="2" charset="-127"/>
+                <a:ea typeface="KoPub돋움체 Bold" panose="00000800000000000000" pitchFamily="2" charset="-127"/>
+              </a:rPr>
+              <a:t> </a:t>
+            </a:r>
+            <a:r>
+              <a:rPr kumimoji="0" lang="en-US" altLang="ko-KR" sz="1000" b="0" i="0" u="none" strike="noStrike" kern="1200" cap="none" spc="0" normalizeH="0" baseline="0" noProof="0">
+                <a:ln>
+                  <a:noFill/>
+                </a:ln>
+                <a:solidFill>
+                  <a:prstClr val="black"/>
+                </a:solidFill>
+                <a:effectLst/>
+                <a:uLnTx/>
+                <a:uFillTx/>
+                <a:latin typeface="KoPub돋움체 Bold" panose="00000800000000000000" pitchFamily="2" charset="-127"/>
+                <a:ea typeface="KoPub돋움체 Bold" panose="00000800000000000000" pitchFamily="2" charset="-127"/>
+              </a:rPr>
+              <a:t>-</a:t>
+            </a:r>
+            <a:endParaRPr kumimoji="0" lang="ko-KR" altLang="en-US" sz="1000" b="0" i="0" u="none" strike="noStrike" kern="1200" cap="none" spc="0" normalizeH="0" baseline="0" noProof="0" dirty="0">
+              <a:ln>
+                <a:noFill/>
+              </a:ln>
+              <a:solidFill>
+                <a:prstClr val="black"/>
+              </a:solidFill>
+              <a:effectLst/>
+              <a:uLnTx/>
+              <a:uFillTx/>
+              <a:latin typeface="KoPub돋움체 Bold" panose="00000800000000000000" pitchFamily="2" charset="-127"/>
+              <a:ea typeface="KoPub돋움체 Bold" panose="00000800000000000000" pitchFamily="2" charset="-127"/>
+            </a:endParaRPr>
+          </a:p>
+        </p:txBody>
+      </p:sp>
+      <p:sp>
+        <p:nvSpPr>
+          <p:cNvPr id="9" name="TextBox 8">
+            <a:extLst>
+              <a:ext uri="{FF2B5EF4-FFF2-40B4-BE49-F238E27FC236}">
+                <a16:creationId xmlns:a16="http://schemas.microsoft.com/office/drawing/2014/main" id="{2D8951C7-18CC-A541-B06D-8698A629A702}"/>
+              </a:ext>
+            </a:extLst>
+          </p:cNvPr>
+          <p:cNvSpPr txBox="1"/>
+          <p:nvPr/>
+        </p:nvSpPr>
+        <p:spPr>
+          <a:xfrm>
+            <a:off x="228599" y="183284"/>
+            <a:ext cx="3345018" cy="523220"/>
+          </a:xfrm>
+          <a:prstGeom prst="rect">
+            <a:avLst/>
+          </a:prstGeom>
+          <a:noFill/>
+        </p:spPr>
+        <p:txBody>
+          <a:bodyPr wrap="none" rtlCol="0">
+            <a:spAutoFit/>
+          </a:bodyPr>
+          <a:lstStyle/>
+          <a:p>
+            <a:pPr marL="0" marR="0" lvl="0" indent="0" algn="l" defTabSz="914400" rtl="0" eaLnBrk="1" fontAlgn="auto" latinLnBrk="1" hangingPunct="1">
+              <a:lnSpc>
+                <a:spcPct val="100000"/>
+              </a:lnSpc>
+              <a:spcBef>
+                <a:spcPts val="0"/>
+              </a:spcBef>
+              <a:spcAft>
+                <a:spcPts val="0"/>
+              </a:spcAft>
+              <a:buClrTx/>
+              <a:buSzTx/>
+              <a:buFontTx/>
+              <a:buNone/>
+              <a:tabLst/>
+              <a:defRPr/>
+            </a:pPr>
+            <a:r>
+              <a:rPr kumimoji="0" lang="en-US" altLang="ko-KR" sz="2800" b="1" u="none" strike="noStrike" kern="1200" cap="none" spc="0" normalizeH="0" baseline="0" noProof="0" dirty="0" smtClean="0">
+                <a:ln>
+                  <a:noFill/>
+                </a:ln>
+                <a:effectLst/>
+                <a:uLnTx/>
+                <a:uFillTx/>
+                <a:latin typeface="KoPub돋움체 Bold" panose="00000800000000000000" pitchFamily="2" charset="-127"/>
+                <a:ea typeface="KoPub돋움체 Bold" panose="00000800000000000000" pitchFamily="2" charset="-127"/>
+              </a:rPr>
+              <a:t>02. </a:t>
+            </a:r>
+            <a:r>
+              <a:rPr lang="en-US" altLang="ko-KR" sz="2800" b="1" dirty="0" smtClean="0">
+                <a:latin typeface="KoPub돋움체 Bold" panose="00000800000000000000" pitchFamily="2" charset="-127"/>
+                <a:ea typeface="KoPub돋움체 Bold" panose="00000800000000000000" pitchFamily="2" charset="-127"/>
+              </a:rPr>
+              <a:t>Spark: Scalable</a:t>
+            </a:r>
+            <a:endParaRPr kumimoji="0" lang="ko-KR" altLang="en-US" sz="2800" b="1" u="none" strike="noStrike" kern="1200" cap="none" spc="0" normalizeH="0" baseline="0" noProof="0" dirty="0">
+              <a:ln>
+                <a:noFill/>
+              </a:ln>
+              <a:effectLst/>
+              <a:uLnTx/>
+              <a:uFillTx/>
+              <a:latin typeface="KoPub돋움체 Bold" panose="00000800000000000000" pitchFamily="2" charset="-127"/>
+              <a:ea typeface="KoPub돋움체 Bold" panose="00000800000000000000" pitchFamily="2" charset="-127"/>
+            </a:endParaRPr>
+          </a:p>
+        </p:txBody>
+      </p:sp>
+      <p:sp>
+        <p:nvSpPr>
+          <p:cNvPr id="2" name="직사각형 1"/>
+          <p:cNvSpPr/>
+          <p:nvPr/>
+        </p:nvSpPr>
+        <p:spPr>
+          <a:xfrm>
+            <a:off x="546100" y="2870031"/>
+            <a:ext cx="2457450" cy="1524000"/>
+          </a:xfrm>
+          <a:prstGeom prst="rect">
+            <a:avLst/>
+          </a:prstGeom>
+          <a:solidFill>
+            <a:schemeClr val="bg1">
+              <a:lumMod val="95000"/>
+            </a:schemeClr>
+          </a:solidFill>
+          <a:ln>
+            <a:solidFill>
+              <a:schemeClr val="bg2"/>
+            </a:solidFill>
+          </a:ln>
+          <a:effectLst>
+            <a:outerShdw blurRad="50800" dist="38100" dir="2700000" algn="tl" rotWithShape="0">
+              <a:prstClr val="black">
+                <a:alpha val="40000"/>
+              </a:prstClr>
+            </a:outerShdw>
+          </a:effectLst>
+        </p:spPr>
+        <p:style>
+          <a:lnRef idx="2">
+            <a:schemeClr val="accent1">
+              <a:shade val="50000"/>
+            </a:schemeClr>
+          </a:lnRef>
+          <a:fillRef idx="1">
+            <a:schemeClr val="accent1"/>
+          </a:fillRef>
+          <a:effectRef idx="0">
+            <a:schemeClr val="accent1"/>
+          </a:effectRef>
+          <a:fontRef idx="minor">
+            <a:schemeClr val="lt1"/>
+          </a:fontRef>
+        </p:style>
+        <p:txBody>
+          <a:bodyPr rtlCol="0" anchor="ctr"/>
+          <a:lstStyle/>
+          <a:p>
+            <a:pPr algn="ctr"/>
+            <a:endParaRPr lang="ko-KR" altLang="en-US"/>
+          </a:p>
+        </p:txBody>
+      </p:sp>
+      <p:sp>
+        <p:nvSpPr>
+          <p:cNvPr id="3" name="TextBox 2"/>
+          <p:cNvSpPr txBox="1"/>
+          <p:nvPr/>
+        </p:nvSpPr>
+        <p:spPr>
+          <a:xfrm>
+            <a:off x="793338" y="3124199"/>
+            <a:ext cx="1962973" cy="1015663"/>
+          </a:xfrm>
+          <a:prstGeom prst="rect">
+            <a:avLst/>
+          </a:prstGeom>
+          <a:noFill/>
+        </p:spPr>
+        <p:txBody>
+          <a:bodyPr wrap="none" rtlCol="0">
+            <a:spAutoFit/>
+          </a:bodyPr>
+          <a:lstStyle/>
+          <a:p>
+            <a:pPr algn="ctr"/>
+            <a:r>
+              <a:rPr lang="en-US" altLang="ko-KR" sz="2000" dirty="0" smtClean="0">
+                <a:latin typeface="KoPub돋움체 Bold" panose="00000800000000000000" pitchFamily="2" charset="-127"/>
+                <a:ea typeface="KoPub돋움체 Bold" panose="00000800000000000000" pitchFamily="2" charset="-127"/>
+              </a:rPr>
+              <a:t>Driver Program</a:t>
+            </a:r>
+          </a:p>
+          <a:p>
+            <a:pPr algn="ctr"/>
+            <a:endParaRPr lang="en-US" altLang="ko-KR" sz="2000" dirty="0" smtClean="0">
+              <a:latin typeface="KoPub돋움체 Bold" panose="00000800000000000000" pitchFamily="2" charset="-127"/>
+              <a:ea typeface="KoPub돋움체 Bold" panose="00000800000000000000" pitchFamily="2" charset="-127"/>
+            </a:endParaRPr>
+          </a:p>
+          <a:p>
+            <a:pPr algn="ctr"/>
+            <a:r>
+              <a:rPr lang="en-US" altLang="ko-KR" sz="2000" dirty="0" smtClean="0">
+                <a:latin typeface="KoPub돋움체 Bold" panose="00000800000000000000" pitchFamily="2" charset="-127"/>
+                <a:ea typeface="KoPub돋움체 Bold" panose="00000800000000000000" pitchFamily="2" charset="-127"/>
+              </a:rPr>
+              <a:t>(Spark Context)</a:t>
+            </a:r>
+            <a:endParaRPr lang="ko-KR" altLang="en-US" sz="2000" dirty="0">
+              <a:latin typeface="KoPub돋움체 Bold" panose="00000800000000000000" pitchFamily="2" charset="-127"/>
+              <a:ea typeface="KoPub돋움체 Bold" panose="00000800000000000000" pitchFamily="2" charset="-127"/>
+            </a:endParaRPr>
+          </a:p>
+        </p:txBody>
+      </p:sp>
+      <p:sp>
+        <p:nvSpPr>
+          <p:cNvPr id="7" name="직사각형 6"/>
+          <p:cNvSpPr/>
+          <p:nvPr/>
+        </p:nvSpPr>
+        <p:spPr>
+          <a:xfrm>
+            <a:off x="3975511" y="2870031"/>
+            <a:ext cx="2457450" cy="1524000"/>
+          </a:xfrm>
+          <a:prstGeom prst="rect">
+            <a:avLst/>
+          </a:prstGeom>
+          <a:solidFill>
+            <a:schemeClr val="bg1">
+              <a:lumMod val="95000"/>
+            </a:schemeClr>
+          </a:solidFill>
+          <a:ln>
+            <a:solidFill>
+              <a:schemeClr val="bg2"/>
+            </a:solidFill>
+          </a:ln>
+          <a:effectLst>
+            <a:outerShdw blurRad="50800" dist="38100" dir="2700000" algn="tl" rotWithShape="0">
+              <a:prstClr val="black">
+                <a:alpha val="40000"/>
+              </a:prstClr>
+            </a:outerShdw>
+          </a:effectLst>
+        </p:spPr>
+        <p:style>
+          <a:lnRef idx="2">
+            <a:schemeClr val="accent1">
+              <a:shade val="50000"/>
+            </a:schemeClr>
+          </a:lnRef>
+          <a:fillRef idx="1">
+            <a:schemeClr val="accent1"/>
+          </a:fillRef>
+          <a:effectRef idx="0">
+            <a:schemeClr val="accent1"/>
+          </a:effectRef>
+          <a:fontRef idx="minor">
+            <a:schemeClr val="lt1"/>
+          </a:fontRef>
+        </p:style>
+        <p:txBody>
+          <a:bodyPr rtlCol="0" anchor="ctr"/>
+          <a:lstStyle/>
+          <a:p>
+            <a:pPr algn="ctr"/>
+            <a:endParaRPr lang="ko-KR" altLang="en-US"/>
+          </a:p>
+        </p:txBody>
+      </p:sp>
+      <p:sp>
+        <p:nvSpPr>
+          <p:cNvPr id="8" name="TextBox 7"/>
+          <p:cNvSpPr txBox="1"/>
+          <p:nvPr/>
+        </p:nvSpPr>
+        <p:spPr>
+          <a:xfrm>
+            <a:off x="4162190" y="3124199"/>
+            <a:ext cx="2084096" cy="1015663"/>
+          </a:xfrm>
+          <a:prstGeom prst="rect">
+            <a:avLst/>
+          </a:prstGeom>
+          <a:noFill/>
+        </p:spPr>
+        <p:txBody>
+          <a:bodyPr wrap="none" rtlCol="0">
+            <a:spAutoFit/>
+          </a:bodyPr>
+          <a:lstStyle/>
+          <a:p>
+            <a:pPr algn="ctr"/>
+            <a:r>
+              <a:rPr lang="en-US" altLang="ko-KR" sz="2000" dirty="0" smtClean="0">
+                <a:latin typeface="KoPub돋움체 Bold" panose="00000800000000000000" pitchFamily="2" charset="-127"/>
+                <a:ea typeface="KoPub돋움체 Bold" panose="00000800000000000000" pitchFamily="2" charset="-127"/>
+              </a:rPr>
+              <a:t>Cluster Manager</a:t>
+            </a:r>
+          </a:p>
+          <a:p>
+            <a:pPr algn="ctr"/>
+            <a:endParaRPr lang="en-US" altLang="ko-KR" sz="2000" dirty="0">
+              <a:latin typeface="KoPub돋움체 Bold" panose="00000800000000000000" pitchFamily="2" charset="-127"/>
+              <a:ea typeface="KoPub돋움체 Bold" panose="00000800000000000000" pitchFamily="2" charset="-127"/>
+            </a:endParaRPr>
+          </a:p>
+          <a:p>
+            <a:pPr algn="ctr"/>
+            <a:r>
+              <a:rPr lang="en-US" altLang="ko-KR" sz="2000" dirty="0" smtClean="0">
+                <a:latin typeface="KoPub돋움체 Bold" panose="00000800000000000000" pitchFamily="2" charset="-127"/>
+                <a:ea typeface="KoPub돋움체 Bold" panose="00000800000000000000" pitchFamily="2" charset="-127"/>
+              </a:rPr>
+              <a:t>(Spark, YARN)</a:t>
+            </a:r>
+            <a:endParaRPr lang="ko-KR" altLang="en-US" sz="2000" dirty="0">
+              <a:latin typeface="KoPub돋움체 Bold" panose="00000800000000000000" pitchFamily="2" charset="-127"/>
+              <a:ea typeface="KoPub돋움체 Bold" panose="00000800000000000000" pitchFamily="2" charset="-127"/>
+            </a:endParaRPr>
+          </a:p>
+        </p:txBody>
+      </p:sp>
+      <p:sp>
+        <p:nvSpPr>
+          <p:cNvPr id="10" name="직사각형 9"/>
+          <p:cNvSpPr/>
+          <p:nvPr/>
+        </p:nvSpPr>
+        <p:spPr>
+          <a:xfrm>
+            <a:off x="7404100" y="990600"/>
+            <a:ext cx="2457450" cy="1524000"/>
+          </a:xfrm>
+          <a:prstGeom prst="rect">
+            <a:avLst/>
+          </a:prstGeom>
+          <a:solidFill>
+            <a:schemeClr val="bg1">
+              <a:lumMod val="95000"/>
+            </a:schemeClr>
+          </a:solidFill>
+          <a:ln>
+            <a:solidFill>
+              <a:schemeClr val="bg2"/>
+            </a:solidFill>
+          </a:ln>
+          <a:effectLst>
+            <a:outerShdw blurRad="50800" dist="38100" dir="2700000" algn="tl" rotWithShape="0">
+              <a:prstClr val="black">
+                <a:alpha val="40000"/>
+              </a:prstClr>
+            </a:outerShdw>
+          </a:effectLst>
+        </p:spPr>
+        <p:style>
+          <a:lnRef idx="2">
+            <a:schemeClr val="accent1">
+              <a:shade val="50000"/>
+            </a:schemeClr>
+          </a:lnRef>
+          <a:fillRef idx="1">
+            <a:schemeClr val="accent1"/>
+          </a:fillRef>
+          <a:effectRef idx="0">
+            <a:schemeClr val="accent1"/>
+          </a:effectRef>
+          <a:fontRef idx="minor">
+            <a:schemeClr val="lt1"/>
+          </a:fontRef>
+        </p:style>
+        <p:txBody>
+          <a:bodyPr rtlCol="0" anchor="ctr"/>
+          <a:lstStyle/>
+          <a:p>
+            <a:pPr algn="ctr"/>
+            <a:endParaRPr lang="ko-KR" altLang="en-US"/>
+          </a:p>
+        </p:txBody>
+      </p:sp>
+      <p:sp>
+        <p:nvSpPr>
+          <p:cNvPr id="11" name="TextBox 10"/>
+          <p:cNvSpPr txBox="1"/>
+          <p:nvPr/>
+        </p:nvSpPr>
+        <p:spPr>
+          <a:xfrm>
+            <a:off x="7756430" y="1244768"/>
+            <a:ext cx="1857881" cy="1015663"/>
+          </a:xfrm>
+          <a:prstGeom prst="rect">
+            <a:avLst/>
+          </a:prstGeom>
+          <a:noFill/>
+        </p:spPr>
+        <p:txBody>
+          <a:bodyPr wrap="none" rtlCol="0">
+            <a:spAutoFit/>
+          </a:bodyPr>
+          <a:lstStyle/>
+          <a:p>
+            <a:pPr algn="ctr"/>
+            <a:r>
+              <a:rPr lang="en-US" altLang="ko-KR" sz="2000" dirty="0" smtClean="0">
+                <a:latin typeface="KoPub돋움체 Bold" panose="00000800000000000000" pitchFamily="2" charset="-127"/>
+                <a:ea typeface="KoPub돋움체 Bold" panose="00000800000000000000" pitchFamily="2" charset="-127"/>
+              </a:rPr>
+              <a:t>Executor</a:t>
+            </a:r>
+          </a:p>
+          <a:p>
+            <a:pPr algn="ctr"/>
+            <a:endParaRPr lang="en-US" altLang="ko-KR" sz="2000" dirty="0" smtClean="0">
+              <a:latin typeface="KoPub돋움체 Bold" panose="00000800000000000000" pitchFamily="2" charset="-127"/>
+              <a:ea typeface="KoPub돋움체 Bold" panose="00000800000000000000" pitchFamily="2" charset="-127"/>
+            </a:endParaRPr>
+          </a:p>
+          <a:p>
+            <a:pPr algn="ctr"/>
+            <a:r>
+              <a:rPr lang="en-US" altLang="ko-KR" sz="2000" dirty="0">
+                <a:latin typeface="KoPub돋움체 Bold" panose="00000800000000000000" pitchFamily="2" charset="-127"/>
+                <a:ea typeface="KoPub돋움체 Bold" panose="00000800000000000000" pitchFamily="2" charset="-127"/>
+              </a:rPr>
+              <a:t>(</a:t>
+            </a:r>
+            <a:r>
+              <a:rPr lang="en-US" altLang="ko-KR" sz="2000" dirty="0" smtClean="0">
+                <a:latin typeface="KoPub돋움체 Bold" panose="00000800000000000000" pitchFamily="2" charset="-127"/>
+                <a:ea typeface="KoPub돋움체 Bold" panose="00000800000000000000" pitchFamily="2" charset="-127"/>
+              </a:rPr>
+              <a:t>Cache, Tasks)</a:t>
+            </a:r>
+          </a:p>
+        </p:txBody>
+      </p:sp>
+      <p:sp>
+        <p:nvSpPr>
+          <p:cNvPr id="12" name="직사각형 11"/>
+          <p:cNvSpPr/>
+          <p:nvPr/>
+        </p:nvSpPr>
+        <p:spPr>
+          <a:xfrm>
+            <a:off x="7404100" y="2870031"/>
+            <a:ext cx="2457450" cy="1524000"/>
+          </a:xfrm>
+          <a:prstGeom prst="rect">
+            <a:avLst/>
+          </a:prstGeom>
+          <a:solidFill>
+            <a:schemeClr val="bg1">
+              <a:lumMod val="95000"/>
+            </a:schemeClr>
+          </a:solidFill>
+          <a:ln>
+            <a:solidFill>
+              <a:schemeClr val="bg2"/>
+            </a:solidFill>
+          </a:ln>
+          <a:effectLst>
+            <a:outerShdw blurRad="50800" dist="38100" dir="2700000" algn="tl" rotWithShape="0">
+              <a:prstClr val="black">
+                <a:alpha val="40000"/>
+              </a:prstClr>
+            </a:outerShdw>
+          </a:effectLst>
+        </p:spPr>
+        <p:style>
+          <a:lnRef idx="2">
+            <a:schemeClr val="accent1">
+              <a:shade val="50000"/>
+            </a:schemeClr>
+          </a:lnRef>
+          <a:fillRef idx="1">
+            <a:schemeClr val="accent1"/>
+          </a:fillRef>
+          <a:effectRef idx="0">
+            <a:schemeClr val="accent1"/>
+          </a:effectRef>
+          <a:fontRef idx="minor">
+            <a:schemeClr val="lt1"/>
+          </a:fontRef>
+        </p:style>
+        <p:txBody>
+          <a:bodyPr rtlCol="0" anchor="ctr"/>
+          <a:lstStyle/>
+          <a:p>
+            <a:pPr algn="ctr"/>
+            <a:endParaRPr lang="ko-KR" altLang="en-US"/>
+          </a:p>
+        </p:txBody>
+      </p:sp>
+      <p:sp>
+        <p:nvSpPr>
+          <p:cNvPr id="14" name="직사각형 13"/>
+          <p:cNvSpPr/>
+          <p:nvPr/>
+        </p:nvSpPr>
+        <p:spPr>
+          <a:xfrm>
+            <a:off x="7404100" y="4749462"/>
+            <a:ext cx="2457450" cy="1524000"/>
+          </a:xfrm>
+          <a:prstGeom prst="rect">
+            <a:avLst/>
+          </a:prstGeom>
+          <a:solidFill>
+            <a:schemeClr val="bg1">
+              <a:lumMod val="95000"/>
+            </a:schemeClr>
+          </a:solidFill>
+          <a:ln>
+            <a:solidFill>
+              <a:schemeClr val="bg2"/>
+            </a:solidFill>
+          </a:ln>
+          <a:effectLst>
+            <a:outerShdw blurRad="50800" dist="38100" dir="2700000" algn="tl" rotWithShape="0">
+              <a:prstClr val="black">
+                <a:alpha val="40000"/>
+              </a:prstClr>
+            </a:outerShdw>
+          </a:effectLst>
+        </p:spPr>
+        <p:style>
+          <a:lnRef idx="2">
+            <a:schemeClr val="accent1">
+              <a:shade val="50000"/>
+            </a:schemeClr>
+          </a:lnRef>
+          <a:fillRef idx="1">
+            <a:schemeClr val="accent1"/>
+          </a:fillRef>
+          <a:effectRef idx="0">
+            <a:schemeClr val="accent1"/>
+          </a:effectRef>
+          <a:fontRef idx="minor">
+            <a:schemeClr val="lt1"/>
+          </a:fontRef>
+        </p:style>
+        <p:txBody>
+          <a:bodyPr rtlCol="0" anchor="ctr"/>
+          <a:lstStyle/>
+          <a:p>
+            <a:pPr algn="ctr"/>
+            <a:endParaRPr lang="ko-KR" altLang="en-US"/>
+          </a:p>
+        </p:txBody>
+      </p:sp>
+      <p:sp>
+        <p:nvSpPr>
+          <p:cNvPr id="16" name="TextBox 15"/>
+          <p:cNvSpPr txBox="1"/>
+          <p:nvPr/>
+        </p:nvSpPr>
+        <p:spPr>
+          <a:xfrm>
+            <a:off x="7703884" y="3124199"/>
+            <a:ext cx="1857881" cy="1015663"/>
+          </a:xfrm>
+          <a:prstGeom prst="rect">
+            <a:avLst/>
+          </a:prstGeom>
+          <a:noFill/>
+        </p:spPr>
+        <p:txBody>
+          <a:bodyPr wrap="none" rtlCol="0">
+            <a:spAutoFit/>
+          </a:bodyPr>
+          <a:lstStyle/>
+          <a:p>
+            <a:pPr algn="ctr"/>
+            <a:r>
+              <a:rPr lang="en-US" altLang="ko-KR" sz="2000" dirty="0" smtClean="0">
+                <a:latin typeface="KoPub돋움체 Bold" panose="00000800000000000000" pitchFamily="2" charset="-127"/>
+                <a:ea typeface="KoPub돋움체 Bold" panose="00000800000000000000" pitchFamily="2" charset="-127"/>
+              </a:rPr>
+              <a:t>Executor</a:t>
+            </a:r>
+          </a:p>
+          <a:p>
+            <a:pPr algn="ctr"/>
+            <a:endParaRPr lang="en-US" altLang="ko-KR" sz="2000" dirty="0" smtClean="0">
+              <a:latin typeface="KoPub돋움체 Bold" panose="00000800000000000000" pitchFamily="2" charset="-127"/>
+              <a:ea typeface="KoPub돋움체 Bold" panose="00000800000000000000" pitchFamily="2" charset="-127"/>
+            </a:endParaRPr>
+          </a:p>
+          <a:p>
+            <a:pPr algn="ctr"/>
+            <a:r>
+              <a:rPr lang="en-US" altLang="ko-KR" sz="2000" dirty="0">
+                <a:latin typeface="KoPub돋움체 Bold" panose="00000800000000000000" pitchFamily="2" charset="-127"/>
+                <a:ea typeface="KoPub돋움체 Bold" panose="00000800000000000000" pitchFamily="2" charset="-127"/>
+              </a:rPr>
+              <a:t>(</a:t>
+            </a:r>
+            <a:r>
+              <a:rPr lang="en-US" altLang="ko-KR" sz="2000" dirty="0" smtClean="0">
+                <a:latin typeface="KoPub돋움체 Bold" panose="00000800000000000000" pitchFamily="2" charset="-127"/>
+                <a:ea typeface="KoPub돋움체 Bold" panose="00000800000000000000" pitchFamily="2" charset="-127"/>
+              </a:rPr>
+              <a:t>Cache, Tasks)</a:t>
+            </a:r>
+          </a:p>
+        </p:txBody>
+      </p:sp>
+      <p:sp>
+        <p:nvSpPr>
+          <p:cNvPr id="17" name="TextBox 16"/>
+          <p:cNvSpPr txBox="1"/>
+          <p:nvPr/>
+        </p:nvSpPr>
+        <p:spPr>
+          <a:xfrm>
+            <a:off x="7703883" y="5003630"/>
+            <a:ext cx="1857881" cy="1015663"/>
+          </a:xfrm>
+          <a:prstGeom prst="rect">
+            <a:avLst/>
+          </a:prstGeom>
+          <a:noFill/>
+        </p:spPr>
+        <p:txBody>
+          <a:bodyPr wrap="none" rtlCol="0">
+            <a:spAutoFit/>
+          </a:bodyPr>
+          <a:lstStyle/>
+          <a:p>
+            <a:pPr algn="ctr"/>
+            <a:r>
+              <a:rPr lang="en-US" altLang="ko-KR" sz="2000" dirty="0" smtClean="0">
+                <a:latin typeface="KoPub돋움체 Bold" panose="00000800000000000000" pitchFamily="2" charset="-127"/>
+                <a:ea typeface="KoPub돋움체 Bold" panose="00000800000000000000" pitchFamily="2" charset="-127"/>
+              </a:rPr>
+              <a:t>Executor</a:t>
+            </a:r>
+          </a:p>
+          <a:p>
+            <a:pPr algn="ctr"/>
+            <a:endParaRPr lang="en-US" altLang="ko-KR" sz="2000" dirty="0" smtClean="0">
+              <a:latin typeface="KoPub돋움체 Bold" panose="00000800000000000000" pitchFamily="2" charset="-127"/>
+              <a:ea typeface="KoPub돋움체 Bold" panose="00000800000000000000" pitchFamily="2" charset="-127"/>
+            </a:endParaRPr>
+          </a:p>
+          <a:p>
+            <a:pPr algn="ctr"/>
+            <a:r>
+              <a:rPr lang="en-US" altLang="ko-KR" sz="2000" dirty="0">
+                <a:latin typeface="KoPub돋움체 Bold" panose="00000800000000000000" pitchFamily="2" charset="-127"/>
+                <a:ea typeface="KoPub돋움체 Bold" panose="00000800000000000000" pitchFamily="2" charset="-127"/>
+              </a:rPr>
+              <a:t>(</a:t>
+            </a:r>
+            <a:r>
+              <a:rPr lang="en-US" altLang="ko-KR" sz="2000" dirty="0" smtClean="0">
+                <a:latin typeface="KoPub돋움체 Bold" panose="00000800000000000000" pitchFamily="2" charset="-127"/>
+                <a:ea typeface="KoPub돋움체 Bold" panose="00000800000000000000" pitchFamily="2" charset="-127"/>
+              </a:rPr>
+              <a:t>Cache, Tasks)</a:t>
+            </a:r>
+          </a:p>
+        </p:txBody>
+      </p:sp>
+      <p:cxnSp>
+        <p:nvCxnSpPr>
+          <p:cNvPr id="6" name="직선 화살표 연결선 5"/>
+          <p:cNvCxnSpPr>
+            <a:stCxn id="2" idx="3"/>
+            <a:endCxn id="7" idx="1"/>
+          </p:cNvCxnSpPr>
+          <p:nvPr/>
+        </p:nvCxnSpPr>
+        <p:spPr>
+          <a:xfrm>
+            <a:off x="3003550" y="3632031"/>
+            <a:ext cx="971961" cy="0"/>
+          </a:xfrm>
+          <a:prstGeom prst="straightConnector1">
+            <a:avLst/>
+          </a:prstGeom>
+          <a:ln w="38100">
+            <a:solidFill>
+              <a:schemeClr val="accent1">
+                <a:lumMod val="60000"/>
+                <a:lumOff val="40000"/>
+              </a:schemeClr>
+            </a:solidFill>
+            <a:tailEnd type="triangle"/>
+          </a:ln>
+        </p:spPr>
+        <p:style>
+          <a:lnRef idx="1">
+            <a:schemeClr val="accent1"/>
+          </a:lnRef>
+          <a:fillRef idx="0">
+            <a:schemeClr val="accent1"/>
+          </a:fillRef>
+          <a:effectRef idx="0">
+            <a:schemeClr val="accent1"/>
+          </a:effectRef>
+          <a:fontRef idx="minor">
+            <a:schemeClr val="tx1"/>
+          </a:fontRef>
+        </p:style>
+      </p:cxnSp>
+      <p:cxnSp>
+        <p:nvCxnSpPr>
+          <p:cNvPr id="19" name="직선 화살표 연결선 18"/>
+          <p:cNvCxnSpPr>
+            <a:stCxn id="7" idx="3"/>
+            <a:endCxn id="12" idx="1"/>
+          </p:cNvCxnSpPr>
+          <p:nvPr/>
+        </p:nvCxnSpPr>
+        <p:spPr>
+          <a:xfrm>
+            <a:off x="6432961" y="3632031"/>
+            <a:ext cx="971139" cy="0"/>
+          </a:xfrm>
+          <a:prstGeom prst="straightConnector1">
+            <a:avLst/>
+          </a:prstGeom>
+          <a:ln w="38100">
+            <a:solidFill>
+              <a:schemeClr val="accent1">
+                <a:lumMod val="60000"/>
+                <a:lumOff val="40000"/>
+              </a:schemeClr>
+            </a:solidFill>
+            <a:tailEnd type="triangle"/>
+          </a:ln>
+        </p:spPr>
+        <p:style>
+          <a:lnRef idx="1">
+            <a:schemeClr val="accent1"/>
+          </a:lnRef>
+          <a:fillRef idx="0">
+            <a:schemeClr val="accent1"/>
+          </a:fillRef>
+          <a:effectRef idx="0">
+            <a:schemeClr val="accent1"/>
+          </a:effectRef>
+          <a:fontRef idx="minor">
+            <a:schemeClr val="tx1"/>
+          </a:fontRef>
+        </p:style>
+      </p:cxnSp>
+      <p:cxnSp>
+        <p:nvCxnSpPr>
+          <p:cNvPr id="22" name="직선 화살표 연결선 21"/>
+          <p:cNvCxnSpPr>
+            <a:stCxn id="7" idx="3"/>
+            <a:endCxn id="10" idx="1"/>
+          </p:cNvCxnSpPr>
+          <p:nvPr/>
+        </p:nvCxnSpPr>
+        <p:spPr>
+          <a:xfrm flipV="1">
+            <a:off x="6432961" y="1752600"/>
+            <a:ext cx="971139" cy="1879431"/>
+          </a:xfrm>
+          <a:prstGeom prst="straightConnector1">
+            <a:avLst/>
+          </a:prstGeom>
+          <a:ln w="38100">
+            <a:solidFill>
+              <a:schemeClr val="accent1">
+                <a:lumMod val="60000"/>
+                <a:lumOff val="40000"/>
+              </a:schemeClr>
+            </a:solidFill>
+            <a:tailEnd type="triangle"/>
+          </a:ln>
+        </p:spPr>
+        <p:style>
+          <a:lnRef idx="1">
+            <a:schemeClr val="accent1"/>
+          </a:lnRef>
+          <a:fillRef idx="0">
+            <a:schemeClr val="accent1"/>
+          </a:fillRef>
+          <a:effectRef idx="0">
+            <a:schemeClr val="accent1"/>
+          </a:effectRef>
+          <a:fontRef idx="minor">
+            <a:schemeClr val="tx1"/>
+          </a:fontRef>
+        </p:style>
+      </p:cxnSp>
+      <p:cxnSp>
+        <p:nvCxnSpPr>
+          <p:cNvPr id="25" name="직선 화살표 연결선 24"/>
+          <p:cNvCxnSpPr>
+            <a:stCxn id="7" idx="3"/>
+            <a:endCxn id="14" idx="1"/>
+          </p:cNvCxnSpPr>
+          <p:nvPr/>
+        </p:nvCxnSpPr>
+        <p:spPr>
+          <a:xfrm>
+            <a:off x="6432961" y="3632031"/>
+            <a:ext cx="971139" cy="1879431"/>
+          </a:xfrm>
+          <a:prstGeom prst="straightConnector1">
+            <a:avLst/>
+          </a:prstGeom>
+          <a:ln w="38100">
+            <a:solidFill>
+              <a:schemeClr val="accent1">
+                <a:lumMod val="60000"/>
+                <a:lumOff val="40000"/>
+              </a:schemeClr>
+            </a:solidFill>
+            <a:tailEnd type="triangle"/>
+          </a:ln>
+        </p:spPr>
+        <p:style>
+          <a:lnRef idx="1">
+            <a:schemeClr val="accent1"/>
+          </a:lnRef>
+          <a:fillRef idx="0">
+            <a:schemeClr val="accent1"/>
+          </a:fillRef>
+          <a:effectRef idx="0">
+            <a:schemeClr val="accent1"/>
+          </a:effectRef>
+          <a:fontRef idx="minor">
+            <a:schemeClr val="tx1"/>
+          </a:fontRef>
+        </p:style>
+      </p:cxnSp>
+      <p:cxnSp>
+        <p:nvCxnSpPr>
+          <p:cNvPr id="28" name="직선 화살표 연결선 27"/>
+          <p:cNvCxnSpPr>
+            <a:stCxn id="10" idx="2"/>
+            <a:endCxn id="12" idx="0"/>
+          </p:cNvCxnSpPr>
+          <p:nvPr/>
+        </p:nvCxnSpPr>
+        <p:spPr>
+          <a:xfrm>
+            <a:off x="8632825" y="2514600"/>
+            <a:ext cx="0" cy="355431"/>
+          </a:xfrm>
+          <a:prstGeom prst="straightConnector1">
+            <a:avLst/>
+          </a:prstGeom>
+          <a:ln w="38100">
+            <a:solidFill>
+              <a:schemeClr val="accent1">
+                <a:lumMod val="60000"/>
+                <a:lumOff val="40000"/>
+              </a:schemeClr>
+            </a:solidFill>
+            <a:headEnd type="triangle" w="med" len="med"/>
+            <a:tailEnd type="triangle" w="med" len="med"/>
+          </a:ln>
+        </p:spPr>
+        <p:style>
+          <a:lnRef idx="1">
+            <a:schemeClr val="accent1"/>
+          </a:lnRef>
+          <a:fillRef idx="0">
+            <a:schemeClr val="accent1"/>
+          </a:fillRef>
+          <a:effectRef idx="0">
+            <a:schemeClr val="accent1"/>
+          </a:effectRef>
+          <a:fontRef idx="minor">
+            <a:schemeClr val="tx1"/>
+          </a:fontRef>
+        </p:style>
+      </p:cxnSp>
+      <p:cxnSp>
+        <p:nvCxnSpPr>
+          <p:cNvPr id="31" name="직선 화살표 연결선 30"/>
+          <p:cNvCxnSpPr>
+            <a:endCxn id="14" idx="0"/>
+          </p:cNvCxnSpPr>
+          <p:nvPr/>
+        </p:nvCxnSpPr>
+        <p:spPr>
+          <a:xfrm>
+            <a:off x="8632823" y="4394031"/>
+            <a:ext cx="2" cy="355431"/>
+          </a:xfrm>
+          <a:prstGeom prst="straightConnector1">
+            <a:avLst/>
+          </a:prstGeom>
+          <a:ln w="38100">
+            <a:solidFill>
+              <a:schemeClr val="accent1">
+                <a:lumMod val="60000"/>
+                <a:lumOff val="40000"/>
+              </a:schemeClr>
+            </a:solidFill>
+            <a:headEnd type="triangle" w="med" len="med"/>
+            <a:tailEnd type="triangle" w="med" len="med"/>
+          </a:ln>
+        </p:spPr>
+        <p:style>
+          <a:lnRef idx="1">
+            <a:schemeClr val="accent1"/>
+          </a:lnRef>
+          <a:fillRef idx="0">
+            <a:schemeClr val="accent1"/>
+          </a:fillRef>
+          <a:effectRef idx="0">
+            <a:schemeClr val="accent1"/>
+          </a:effectRef>
+          <a:fontRef idx="minor">
+            <a:schemeClr val="tx1"/>
+          </a:fontRef>
+        </p:style>
+      </p:cxnSp>
+      <p:cxnSp>
+        <p:nvCxnSpPr>
+          <p:cNvPr id="34" name="구부러진 연결선 33"/>
+          <p:cNvCxnSpPr>
+            <a:stCxn id="2" idx="0"/>
+            <a:endCxn id="10" idx="1"/>
+          </p:cNvCxnSpPr>
+          <p:nvPr/>
+        </p:nvCxnSpPr>
+        <p:spPr>
+          <a:xfrm rot="5400000" flipH="1" flipV="1">
+            <a:off x="4030747" y="-503321"/>
+            <a:ext cx="1117431" cy="5629275"/>
+          </a:xfrm>
+          <a:prstGeom prst="curvedConnector2">
+            <a:avLst/>
+          </a:prstGeom>
+          <a:ln w="28575">
+            <a:solidFill>
+              <a:schemeClr val="accent1">
+                <a:lumMod val="60000"/>
+                <a:lumOff val="40000"/>
+              </a:schemeClr>
+            </a:solidFill>
+            <a:tailEnd type="triangle"/>
+          </a:ln>
+        </p:spPr>
+        <p:style>
+          <a:lnRef idx="1">
+            <a:schemeClr val="accent1"/>
+          </a:lnRef>
+          <a:fillRef idx="0">
+            <a:schemeClr val="accent1"/>
+          </a:fillRef>
+          <a:effectRef idx="0">
+            <a:schemeClr val="accent1"/>
+          </a:effectRef>
+          <a:fontRef idx="minor">
+            <a:schemeClr val="tx1"/>
+          </a:fontRef>
+        </p:style>
+      </p:cxnSp>
+      <p:cxnSp>
+        <p:nvCxnSpPr>
+          <p:cNvPr id="37" name="구부러진 연결선 36"/>
+          <p:cNvCxnSpPr>
+            <a:stCxn id="2" idx="2"/>
+            <a:endCxn id="14" idx="1"/>
+          </p:cNvCxnSpPr>
+          <p:nvPr/>
+        </p:nvCxnSpPr>
+        <p:spPr>
+          <a:xfrm rot="16200000" flipH="1">
+            <a:off x="4030747" y="2138108"/>
+            <a:ext cx="1117431" cy="5629275"/>
+          </a:xfrm>
+          <a:prstGeom prst="curvedConnector2">
+            <a:avLst/>
+          </a:prstGeom>
+          <a:ln w="28575">
+            <a:solidFill>
+              <a:schemeClr val="accent1">
+                <a:lumMod val="60000"/>
+                <a:lumOff val="40000"/>
+              </a:schemeClr>
+            </a:solidFill>
+            <a:tailEnd type="triangle"/>
+          </a:ln>
+        </p:spPr>
+        <p:style>
+          <a:lnRef idx="1">
+            <a:schemeClr val="accent1"/>
+          </a:lnRef>
+          <a:fillRef idx="0">
+            <a:schemeClr val="accent1"/>
+          </a:fillRef>
+          <a:effectRef idx="0">
+            <a:schemeClr val="accent1"/>
+          </a:effectRef>
+          <a:fontRef idx="minor">
+            <a:schemeClr val="tx1"/>
+          </a:fontRef>
+        </p:style>
+      </p:cxnSp>
+    </p:spTree>
+    <p:extLst>
+      <p:ext uri="{BB962C8B-B14F-4D97-AF65-F5344CB8AC3E}">
+        <p14:creationId xmlns:p14="http://schemas.microsoft.com/office/powerpoint/2010/main" val="1059337522"/>
+      </p:ext>
+    </p:extLst>
+  </p:cSld>
+  <p:clrMapOvr>
+    <a:masterClrMapping/>
+  </p:clrMapOvr>
+</p:sld>
+</file>
+
+<file path=ppt/slides/slide18.xml><?xml version="1.0" encoding="utf-8"?>
+<p:sld xmlns:a="http://schemas.openxmlformats.org/drawingml/2006/main" xmlns:r="http://schemas.openxmlformats.org/officeDocument/2006/relationships" xmlns:p="http://schemas.openxmlformats.org/presentationml/2006/main">
+  <p:cSld>
+    <p:spTree>
+      <p:nvGrpSpPr>
+        <p:cNvPr id="1" name=""/>
+        <p:cNvGrpSpPr/>
+        <p:nvPr/>
+      </p:nvGrpSpPr>
+      <p:grpSpPr>
+        <a:xfrm>
+          <a:off x="0" y="0"/>
+          <a:ext cx="0" cy="0"/>
+          <a:chOff x="0" y="0"/>
+          <a:chExt cx="0" cy="0"/>
+        </a:xfrm>
+      </p:grpSpPr>
+      <p:sp>
+        <p:nvSpPr>
+          <p:cNvPr id="5" name="슬라이드 번호 개체 틀 4">
+            <a:extLst>
+              <a:ext uri="{FF2B5EF4-FFF2-40B4-BE49-F238E27FC236}">
+                <a16:creationId xmlns:a16="http://schemas.microsoft.com/office/drawing/2014/main" id="{B286C171-7A3F-4972-8BC5-03654296A393}"/>
+              </a:ext>
+            </a:extLst>
+          </p:cNvPr>
+          <p:cNvSpPr>
+            <a:spLocks noGrp="1"/>
+          </p:cNvSpPr>
+          <p:nvPr>
+            <p:ph type="sldNum" sz="quarter" idx="12"/>
+          </p:nvPr>
+        </p:nvSpPr>
+        <p:spPr>
+          <a:xfrm>
+            <a:off x="9171530" y="6338653"/>
+            <a:ext cx="2743200" cy="365125"/>
+          </a:xfrm>
+        </p:spPr>
+        <p:txBody>
+          <a:bodyPr/>
+          <a:lstStyle/>
+          <a:p>
+            <a:pPr marL="0" marR="0" lvl="0" indent="0" algn="r" defTabSz="914400" rtl="0" eaLnBrk="1" fontAlgn="auto" latinLnBrk="1" hangingPunct="1">
+              <a:lnSpc>
+                <a:spcPct val="100000"/>
+              </a:lnSpc>
+              <a:spcBef>
+                <a:spcPts val="0"/>
+              </a:spcBef>
+              <a:spcAft>
+                <a:spcPts val="0"/>
+              </a:spcAft>
+              <a:buClrTx/>
+              <a:buSzTx/>
+              <a:buFontTx/>
+              <a:buNone/>
+              <a:tabLst/>
+              <a:defRPr/>
+            </a:pPr>
+            <a:r>
+              <a:rPr kumimoji="0" lang="en-US" altLang="ko-KR" sz="1000" b="0" i="0" u="none" strike="noStrike" kern="1200" cap="none" spc="0" normalizeH="0" baseline="0" noProof="0">
+                <a:ln>
+                  <a:noFill/>
+                </a:ln>
+                <a:solidFill>
+                  <a:prstClr val="black"/>
+                </a:solidFill>
+                <a:effectLst/>
+                <a:uLnTx/>
+                <a:uFillTx/>
+                <a:latin typeface="KoPub돋움체 Bold" panose="00000800000000000000" pitchFamily="2" charset="-127"/>
+                <a:ea typeface="KoPub돋움체 Bold" panose="00000800000000000000" pitchFamily="2" charset="-127"/>
+              </a:rPr>
+              <a:t>- </a:t>
+            </a:r>
+            <a:fld id="{AF13D911-202B-4710-8554-D7B423191ADD}" type="slidenum">
+              <a:rPr kumimoji="0" lang="ko-KR" altLang="en-US" sz="1000" b="0" i="0" u="none" strike="noStrike" kern="1200" cap="none" spc="0" normalizeH="0" baseline="0" noProof="0" smtClean="0">
+                <a:ln>
+                  <a:noFill/>
+                </a:ln>
+                <a:solidFill>
+                  <a:prstClr val="black"/>
+                </a:solidFill>
+                <a:effectLst/>
+                <a:uLnTx/>
+                <a:uFillTx/>
+                <a:latin typeface="KoPub돋움체 Bold" panose="00000800000000000000" pitchFamily="2" charset="-127"/>
+                <a:ea typeface="KoPub돋움체 Bold" panose="00000800000000000000" pitchFamily="2" charset="-127"/>
+              </a:rPr>
+              <a:pPr marL="0" marR="0" lvl="0" indent="0" algn="r" defTabSz="914400" rtl="0" eaLnBrk="1" fontAlgn="auto" latinLnBrk="1" hangingPunct="1">
+                <a:lnSpc>
+                  <a:spcPct val="100000"/>
+                </a:lnSpc>
+                <a:spcBef>
+                  <a:spcPts val="0"/>
+                </a:spcBef>
+                <a:spcAft>
+                  <a:spcPts val="0"/>
+                </a:spcAft>
+                <a:buClrTx/>
+                <a:buSzTx/>
+                <a:buFontTx/>
+                <a:buNone/>
+                <a:tabLst/>
+                <a:defRPr/>
+              </a:pPr>
+              <a:t>18</a:t>
+            </a:fld>
+            <a:r>
+              <a:rPr kumimoji="0" lang="ko-KR" altLang="en-US" sz="1000" b="0" i="0" u="none" strike="noStrike" kern="1200" cap="none" spc="0" normalizeH="0" baseline="0" noProof="0">
+                <a:ln>
+                  <a:noFill/>
+                </a:ln>
+                <a:solidFill>
+                  <a:prstClr val="black"/>
+                </a:solidFill>
+                <a:effectLst/>
+                <a:uLnTx/>
+                <a:uFillTx/>
+                <a:latin typeface="KoPub돋움체 Bold" panose="00000800000000000000" pitchFamily="2" charset="-127"/>
+                <a:ea typeface="KoPub돋움체 Bold" panose="00000800000000000000" pitchFamily="2" charset="-127"/>
+              </a:rPr>
+              <a:t> </a:t>
+            </a:r>
+            <a:r>
+              <a:rPr kumimoji="0" lang="en-US" altLang="ko-KR" sz="1000" b="0" i="0" u="none" strike="noStrike" kern="1200" cap="none" spc="0" normalizeH="0" baseline="0" noProof="0">
+                <a:ln>
+                  <a:noFill/>
+                </a:ln>
+                <a:solidFill>
+                  <a:prstClr val="black"/>
+                </a:solidFill>
+                <a:effectLst/>
+                <a:uLnTx/>
+                <a:uFillTx/>
+                <a:latin typeface="KoPub돋움체 Bold" panose="00000800000000000000" pitchFamily="2" charset="-127"/>
+                <a:ea typeface="KoPub돋움체 Bold" panose="00000800000000000000" pitchFamily="2" charset="-127"/>
+              </a:rPr>
+              <a:t>-</a:t>
+            </a:r>
+            <a:endParaRPr kumimoji="0" lang="ko-KR" altLang="en-US" sz="1000" b="0" i="0" u="none" strike="noStrike" kern="1200" cap="none" spc="0" normalizeH="0" baseline="0" noProof="0" dirty="0">
+              <a:ln>
+                <a:noFill/>
+              </a:ln>
+              <a:solidFill>
+                <a:prstClr val="black"/>
+              </a:solidFill>
+              <a:effectLst/>
+              <a:uLnTx/>
+              <a:uFillTx/>
+              <a:latin typeface="KoPub돋움체 Bold" panose="00000800000000000000" pitchFamily="2" charset="-127"/>
+              <a:ea typeface="KoPub돋움체 Bold" panose="00000800000000000000" pitchFamily="2" charset="-127"/>
+            </a:endParaRPr>
+          </a:p>
+        </p:txBody>
+      </p:sp>
+      <p:sp>
+        <p:nvSpPr>
+          <p:cNvPr id="9" name="TextBox 8">
+            <a:extLst>
+              <a:ext uri="{FF2B5EF4-FFF2-40B4-BE49-F238E27FC236}">
+                <a16:creationId xmlns:a16="http://schemas.microsoft.com/office/drawing/2014/main" id="{2D8951C7-18CC-A541-B06D-8698A629A702}"/>
+              </a:ext>
+            </a:extLst>
+          </p:cNvPr>
+          <p:cNvSpPr txBox="1"/>
+          <p:nvPr/>
+        </p:nvSpPr>
+        <p:spPr>
+          <a:xfrm>
+            <a:off x="228599" y="183284"/>
+            <a:ext cx="2750368" cy="523220"/>
+          </a:xfrm>
+          <a:prstGeom prst="rect">
+            <a:avLst/>
+          </a:prstGeom>
+          <a:noFill/>
+        </p:spPr>
+        <p:txBody>
+          <a:bodyPr wrap="none" rtlCol="0">
+            <a:spAutoFit/>
+          </a:bodyPr>
+          <a:lstStyle/>
+          <a:p>
+            <a:pPr marL="0" marR="0" lvl="0" indent="0" algn="l" defTabSz="914400" rtl="0" eaLnBrk="1" fontAlgn="auto" latinLnBrk="1" hangingPunct="1">
+              <a:lnSpc>
+                <a:spcPct val="100000"/>
+              </a:lnSpc>
+              <a:spcBef>
+                <a:spcPts val="0"/>
+              </a:spcBef>
+              <a:spcAft>
+                <a:spcPts val="0"/>
+              </a:spcAft>
+              <a:buClrTx/>
+              <a:buSzTx/>
+              <a:buFontTx/>
+              <a:buNone/>
+              <a:tabLst/>
+              <a:defRPr/>
+            </a:pPr>
+            <a:r>
+              <a:rPr kumimoji="0" lang="en-US" altLang="ko-KR" sz="2800" b="1" u="none" strike="noStrike" kern="1200" cap="none" spc="0" normalizeH="0" baseline="0" noProof="0" dirty="0" smtClean="0">
+                <a:ln>
+                  <a:noFill/>
+                </a:ln>
+                <a:effectLst/>
+                <a:uLnTx/>
+                <a:uFillTx/>
+                <a:latin typeface="KoPub돋움체 Bold" panose="00000800000000000000" pitchFamily="2" charset="-127"/>
+                <a:ea typeface="KoPub돋움체 Bold" panose="00000800000000000000" pitchFamily="2" charset="-127"/>
+              </a:rPr>
+              <a:t>03. </a:t>
+            </a:r>
+            <a:r>
+              <a:rPr lang="en-US" altLang="ko-KR" sz="2800" b="1" dirty="0" smtClean="0">
+                <a:latin typeface="KoPub돋움체 Bold" panose="00000800000000000000" pitchFamily="2" charset="-127"/>
+                <a:ea typeface="KoPub돋움체 Bold" panose="00000800000000000000" pitchFamily="2" charset="-127"/>
+              </a:rPr>
+              <a:t>Spark: FAST</a:t>
+            </a:r>
+            <a:endParaRPr kumimoji="0" lang="ko-KR" altLang="en-US" sz="2800" b="1" u="none" strike="noStrike" kern="1200" cap="none" spc="0" normalizeH="0" baseline="0" noProof="0" dirty="0">
+              <a:ln>
+                <a:noFill/>
+              </a:ln>
+              <a:effectLst/>
+              <a:uLnTx/>
+              <a:uFillTx/>
+              <a:latin typeface="KoPub돋움체 Bold" panose="00000800000000000000" pitchFamily="2" charset="-127"/>
+              <a:ea typeface="KoPub돋움체 Bold" panose="00000800000000000000" pitchFamily="2" charset="-127"/>
+            </a:endParaRPr>
+          </a:p>
+        </p:txBody>
+      </p:sp>
+      <p:sp>
+        <p:nvSpPr>
+          <p:cNvPr id="23" name="직사각형 22"/>
+          <p:cNvSpPr/>
+          <p:nvPr/>
+        </p:nvSpPr>
+        <p:spPr>
+          <a:xfrm>
+            <a:off x="546100" y="2870031"/>
+            <a:ext cx="2457450" cy="1524000"/>
+          </a:xfrm>
+          <a:prstGeom prst="rect">
+            <a:avLst/>
+          </a:prstGeom>
+          <a:solidFill>
+            <a:schemeClr val="bg1">
+              <a:lumMod val="95000"/>
+            </a:schemeClr>
+          </a:solidFill>
+          <a:ln>
+            <a:solidFill>
+              <a:schemeClr val="bg2"/>
+            </a:solidFill>
+          </a:ln>
+          <a:effectLst>
+            <a:outerShdw blurRad="50800" dist="38100" dir="2700000" algn="tl" rotWithShape="0">
+              <a:prstClr val="black">
+                <a:alpha val="40000"/>
+              </a:prstClr>
+            </a:outerShdw>
+          </a:effectLst>
+        </p:spPr>
+        <p:style>
+          <a:lnRef idx="2">
+            <a:schemeClr val="accent1">
+              <a:shade val="50000"/>
+            </a:schemeClr>
+          </a:lnRef>
+          <a:fillRef idx="1">
+            <a:schemeClr val="accent1"/>
+          </a:fillRef>
+          <a:effectRef idx="0">
+            <a:schemeClr val="accent1"/>
+          </a:effectRef>
+          <a:fontRef idx="minor">
+            <a:schemeClr val="lt1"/>
+          </a:fontRef>
+        </p:style>
+        <p:txBody>
+          <a:bodyPr rtlCol="0" anchor="ctr"/>
+          <a:lstStyle/>
+          <a:p>
+            <a:pPr algn="ctr"/>
+            <a:endParaRPr lang="ko-KR" altLang="en-US"/>
+          </a:p>
+        </p:txBody>
+      </p:sp>
+      <p:sp>
+        <p:nvSpPr>
+          <p:cNvPr id="24" name="TextBox 23"/>
+          <p:cNvSpPr txBox="1"/>
+          <p:nvPr/>
+        </p:nvSpPr>
+        <p:spPr>
+          <a:xfrm>
+            <a:off x="793338" y="3124199"/>
+            <a:ext cx="1962973" cy="1015663"/>
+          </a:xfrm>
+          <a:prstGeom prst="rect">
+            <a:avLst/>
+          </a:prstGeom>
+          <a:noFill/>
+        </p:spPr>
+        <p:txBody>
+          <a:bodyPr wrap="none" rtlCol="0">
+            <a:spAutoFit/>
+          </a:bodyPr>
+          <a:lstStyle/>
+          <a:p>
+            <a:pPr algn="ctr"/>
+            <a:r>
+              <a:rPr lang="en-US" altLang="ko-KR" sz="2000" dirty="0" smtClean="0">
+                <a:latin typeface="KoPub돋움체 Bold" panose="00000800000000000000" pitchFamily="2" charset="-127"/>
+                <a:ea typeface="KoPub돋움체 Bold" panose="00000800000000000000" pitchFamily="2" charset="-127"/>
+              </a:rPr>
+              <a:t>Driver Program</a:t>
+            </a:r>
+          </a:p>
+          <a:p>
+            <a:pPr algn="ctr"/>
+            <a:endParaRPr lang="en-US" altLang="ko-KR" sz="2000" dirty="0" smtClean="0">
+              <a:latin typeface="KoPub돋움체 Bold" panose="00000800000000000000" pitchFamily="2" charset="-127"/>
+              <a:ea typeface="KoPub돋움체 Bold" panose="00000800000000000000" pitchFamily="2" charset="-127"/>
+            </a:endParaRPr>
+          </a:p>
+          <a:p>
+            <a:pPr algn="ctr"/>
+            <a:r>
+              <a:rPr lang="en-US" altLang="ko-KR" sz="2000" dirty="0" smtClean="0">
+                <a:latin typeface="KoPub돋움체 Bold" panose="00000800000000000000" pitchFamily="2" charset="-127"/>
+                <a:ea typeface="KoPub돋움체 Bold" panose="00000800000000000000" pitchFamily="2" charset="-127"/>
+              </a:rPr>
+              <a:t>(Spark Context)</a:t>
+            </a:r>
+            <a:endParaRPr lang="ko-KR" altLang="en-US" sz="2000" dirty="0">
+              <a:latin typeface="KoPub돋움체 Bold" panose="00000800000000000000" pitchFamily="2" charset="-127"/>
+              <a:ea typeface="KoPub돋움체 Bold" panose="00000800000000000000" pitchFamily="2" charset="-127"/>
+            </a:endParaRPr>
+          </a:p>
+        </p:txBody>
+      </p:sp>
+    </p:spTree>
+    <p:extLst>
+      <p:ext uri="{BB962C8B-B14F-4D97-AF65-F5344CB8AC3E}">
+        <p14:creationId xmlns:p14="http://schemas.microsoft.com/office/powerpoint/2010/main" val="2156830913"/>
+      </p:ext>
+    </p:extLst>
+  </p:cSld>
+  <p:clrMapOvr>
+    <a:masterClrMapping/>
+  </p:clrMapOvr>
+</p:sld>
+</file>
+
+<file path=ppt/slides/slide19.xml><?xml version="1.0" encoding="utf-8"?>
+<p:sld xmlns:a="http://schemas.openxmlformats.org/drawingml/2006/main" xmlns:r="http://schemas.openxmlformats.org/officeDocument/2006/relationships" xmlns:p="http://schemas.openxmlformats.org/presentationml/2006/main">
+  <p:cSld>
+    <p:spTree>
+      <p:nvGrpSpPr>
+        <p:cNvPr id="1" name=""/>
+        <p:cNvGrpSpPr/>
+        <p:nvPr/>
+      </p:nvGrpSpPr>
+      <p:grpSpPr>
+        <a:xfrm>
+          <a:off x="0" y="0"/>
+          <a:ext cx="0" cy="0"/>
+          <a:chOff x="0" y="0"/>
+          <a:chExt cx="0" cy="0"/>
+        </a:xfrm>
+      </p:grpSpPr>
+      <p:sp>
+        <p:nvSpPr>
+          <p:cNvPr id="5" name="슬라이드 번호 개체 틀 4">
+            <a:extLst>
+              <a:ext uri="{FF2B5EF4-FFF2-40B4-BE49-F238E27FC236}">
+                <a16:creationId xmlns:a16="http://schemas.microsoft.com/office/drawing/2014/main" id="{B286C171-7A3F-4972-8BC5-03654296A393}"/>
+              </a:ext>
+            </a:extLst>
+          </p:cNvPr>
+          <p:cNvSpPr>
+            <a:spLocks noGrp="1"/>
+          </p:cNvSpPr>
+          <p:nvPr>
+            <p:ph type="sldNum" sz="quarter" idx="12"/>
+          </p:nvPr>
+        </p:nvSpPr>
+        <p:spPr>
+          <a:xfrm>
+            <a:off x="9171530" y="6338653"/>
+            <a:ext cx="2743200" cy="365125"/>
+          </a:xfrm>
+        </p:spPr>
+        <p:txBody>
+          <a:bodyPr/>
+          <a:lstStyle/>
+          <a:p>
+            <a:pPr marL="0" marR="0" lvl="0" indent="0" algn="r" defTabSz="914400" rtl="0" eaLnBrk="1" fontAlgn="auto" latinLnBrk="1" hangingPunct="1">
+              <a:lnSpc>
+                <a:spcPct val="100000"/>
+              </a:lnSpc>
+              <a:spcBef>
+                <a:spcPts val="0"/>
+              </a:spcBef>
+              <a:spcAft>
+                <a:spcPts val="0"/>
+              </a:spcAft>
+              <a:buClrTx/>
+              <a:buSzTx/>
+              <a:buFontTx/>
+              <a:buNone/>
+              <a:tabLst/>
+              <a:defRPr/>
+            </a:pPr>
+            <a:r>
+              <a:rPr kumimoji="0" lang="en-US" altLang="ko-KR" sz="1000" b="0" i="0" u="none" strike="noStrike" kern="1200" cap="none" spc="0" normalizeH="0" baseline="0" noProof="0">
+                <a:ln>
+                  <a:noFill/>
+                </a:ln>
+                <a:solidFill>
+                  <a:prstClr val="black"/>
+                </a:solidFill>
+                <a:effectLst/>
+                <a:uLnTx/>
+                <a:uFillTx/>
+                <a:latin typeface="KoPub돋움체 Bold" panose="00000800000000000000" pitchFamily="2" charset="-127"/>
+                <a:ea typeface="KoPub돋움체 Bold" panose="00000800000000000000" pitchFamily="2" charset="-127"/>
+              </a:rPr>
+              <a:t>- </a:t>
+            </a:r>
+            <a:fld id="{AF13D911-202B-4710-8554-D7B423191ADD}" type="slidenum">
+              <a:rPr kumimoji="0" lang="ko-KR" altLang="en-US" sz="1000" b="0" i="0" u="none" strike="noStrike" kern="1200" cap="none" spc="0" normalizeH="0" baseline="0" noProof="0" smtClean="0">
+                <a:ln>
+                  <a:noFill/>
+                </a:ln>
+                <a:solidFill>
+                  <a:prstClr val="black"/>
+                </a:solidFill>
+                <a:effectLst/>
+                <a:uLnTx/>
+                <a:uFillTx/>
+                <a:latin typeface="KoPub돋움체 Bold" panose="00000800000000000000" pitchFamily="2" charset="-127"/>
+                <a:ea typeface="KoPub돋움체 Bold" panose="00000800000000000000" pitchFamily="2" charset="-127"/>
+              </a:rPr>
+              <a:pPr marL="0" marR="0" lvl="0" indent="0" algn="r" defTabSz="914400" rtl="0" eaLnBrk="1" fontAlgn="auto" latinLnBrk="1" hangingPunct="1">
+                <a:lnSpc>
+                  <a:spcPct val="100000"/>
+                </a:lnSpc>
+                <a:spcBef>
+                  <a:spcPts val="0"/>
+                </a:spcBef>
+                <a:spcAft>
+                  <a:spcPts val="0"/>
+                </a:spcAft>
+                <a:buClrTx/>
+                <a:buSzTx/>
+                <a:buFontTx/>
+                <a:buNone/>
+                <a:tabLst/>
+                <a:defRPr/>
+              </a:pPr>
+              <a:t>19</a:t>
+            </a:fld>
+            <a:r>
+              <a:rPr kumimoji="0" lang="ko-KR" altLang="en-US" sz="1000" b="0" i="0" u="none" strike="noStrike" kern="1200" cap="none" spc="0" normalizeH="0" baseline="0" noProof="0">
+                <a:ln>
+                  <a:noFill/>
+                </a:ln>
+                <a:solidFill>
+                  <a:prstClr val="black"/>
+                </a:solidFill>
+                <a:effectLst/>
+                <a:uLnTx/>
+                <a:uFillTx/>
+                <a:latin typeface="KoPub돋움체 Bold" panose="00000800000000000000" pitchFamily="2" charset="-127"/>
+                <a:ea typeface="KoPub돋움체 Bold" panose="00000800000000000000" pitchFamily="2" charset="-127"/>
+              </a:rPr>
+              <a:t> </a:t>
+            </a:r>
+            <a:r>
+              <a:rPr kumimoji="0" lang="en-US" altLang="ko-KR" sz="1000" b="0" i="0" u="none" strike="noStrike" kern="1200" cap="none" spc="0" normalizeH="0" baseline="0" noProof="0">
+                <a:ln>
+                  <a:noFill/>
+                </a:ln>
+                <a:solidFill>
+                  <a:prstClr val="black"/>
+                </a:solidFill>
+                <a:effectLst/>
+                <a:uLnTx/>
+                <a:uFillTx/>
+                <a:latin typeface="KoPub돋움체 Bold" panose="00000800000000000000" pitchFamily="2" charset="-127"/>
+                <a:ea typeface="KoPub돋움체 Bold" panose="00000800000000000000" pitchFamily="2" charset="-127"/>
+              </a:rPr>
+              <a:t>-</a:t>
+            </a:r>
+            <a:endParaRPr kumimoji="0" lang="ko-KR" altLang="en-US" sz="1000" b="0" i="0" u="none" strike="noStrike" kern="1200" cap="none" spc="0" normalizeH="0" baseline="0" noProof="0" dirty="0">
+              <a:ln>
+                <a:noFill/>
+              </a:ln>
+              <a:solidFill>
+                <a:prstClr val="black"/>
+              </a:solidFill>
+              <a:effectLst/>
+              <a:uLnTx/>
+              <a:uFillTx/>
+              <a:latin typeface="KoPub돋움체 Bold" panose="00000800000000000000" pitchFamily="2" charset="-127"/>
+              <a:ea typeface="KoPub돋움체 Bold" panose="00000800000000000000" pitchFamily="2" charset="-127"/>
+            </a:endParaRPr>
+          </a:p>
+        </p:txBody>
+      </p:sp>
+      <p:sp>
+        <p:nvSpPr>
+          <p:cNvPr id="9" name="TextBox 8">
+            <a:extLst>
+              <a:ext uri="{FF2B5EF4-FFF2-40B4-BE49-F238E27FC236}">
+                <a16:creationId xmlns:a16="http://schemas.microsoft.com/office/drawing/2014/main" id="{2D8951C7-18CC-A541-B06D-8698A629A702}"/>
+              </a:ext>
+            </a:extLst>
+          </p:cNvPr>
+          <p:cNvSpPr txBox="1"/>
+          <p:nvPr/>
+        </p:nvSpPr>
+        <p:spPr>
+          <a:xfrm>
+            <a:off x="228599" y="183284"/>
             <a:ext cx="3682547" cy="523220"/>
           </a:xfrm>
           <a:prstGeom prst="rect">
@@ -7400,632 +9627,6 @@
 </p:sld>
 </file>
 
-<file path=ppt/slides/slide16.xml><?xml version="1.0" encoding="utf-8"?>
-<p:sld xmlns:a="http://schemas.openxmlformats.org/drawingml/2006/main" xmlns:r="http://schemas.openxmlformats.org/officeDocument/2006/relationships" xmlns:p="http://schemas.openxmlformats.org/presentationml/2006/main">
-  <p:cSld>
-    <p:spTree>
-      <p:nvGrpSpPr>
-        <p:cNvPr id="1" name=""/>
-        <p:cNvGrpSpPr/>
-        <p:nvPr/>
-      </p:nvGrpSpPr>
-      <p:grpSpPr>
-        <a:xfrm>
-          <a:off x="0" y="0"/>
-          <a:ext cx="0" cy="0"/>
-          <a:chOff x="0" y="0"/>
-          <a:chExt cx="0" cy="0"/>
-        </a:xfrm>
-      </p:grpSpPr>
-      <p:sp>
-        <p:nvSpPr>
-          <p:cNvPr id="5" name="슬라이드 번호 개체 틀 4"/>
-          <p:cNvSpPr>
-            <a:spLocks noGrp="1"/>
-          </p:cNvSpPr>
-          <p:nvPr>
-            <p:ph type="sldNum" sz="quarter" idx="12"/>
-          </p:nvPr>
-        </p:nvSpPr>
-        <p:spPr>
-          <a:xfrm>
-            <a:off x="9171530" y="6338653"/>
-            <a:ext cx="2743200" cy="365125"/>
-          </a:xfrm>
-        </p:spPr>
-        <p:txBody>
-          <a:bodyPr/>
-          <a:lstStyle/>
-          <a:p>
-            <a:pPr marL="0" marR="0" lvl="0" indent="0" algn="r" defTabSz="914400" rtl="0" eaLnBrk="1" fontAlgn="auto" latinLnBrk="1" hangingPunct="1">
-              <a:lnSpc>
-                <a:spcPct val="100000"/>
-              </a:lnSpc>
-              <a:spcBef>
-                <a:spcPts val="0"/>
-              </a:spcBef>
-              <a:spcAft>
-                <a:spcPts val="0"/>
-              </a:spcAft>
-              <a:buClrTx/>
-              <a:buSzTx/>
-              <a:buFontTx/>
-              <a:buNone/>
-              <a:tabLst/>
-              <a:defRPr/>
-            </a:pPr>
-            <a:r>
-              <a:rPr kumimoji="0" lang="en-US" altLang="ko-KR" sz="1800" b="0" i="0" u="none" strike="noStrike" kern="1200" cap="none" spc="0" normalizeH="0" baseline="0" noProof="0">
-                <a:ln>
-                  <a:noFill/>
-                </a:ln>
-                <a:solidFill>
-                  <a:prstClr val="black"/>
-                </a:solidFill>
-                <a:effectLst/>
-                <a:uLnTx/>
-                <a:uFillTx/>
-                <a:latin typeface="KoPub돋움체 Bold" panose="00000800000000000000" pitchFamily="2" charset="-127"/>
-                <a:ea typeface="KoPub돋움체 Bold" panose="00000800000000000000" pitchFamily="2" charset="-127"/>
-              </a:rPr>
-              <a:t>- </a:t>
-            </a:r>
-            <a:fld id="{AF13D911-202B-4710-8554-D7B423191ADD}" type="slidenum">
-              <a:rPr kumimoji="0" lang="en-US" altLang="en-US" sz="1800" b="0" i="0" u="none" strike="noStrike" kern="1200" cap="none" spc="0" normalizeH="0" baseline="0" noProof="0">
-                <a:ln>
-                  <a:noFill/>
-                </a:ln>
-                <a:solidFill>
-                  <a:prstClr val="black"/>
-                </a:solidFill>
-                <a:effectLst/>
-                <a:uLnTx/>
-                <a:uFillTx/>
-                <a:latin typeface="KoPub돋움체 Bold" panose="00000800000000000000" pitchFamily="2" charset="-127"/>
-                <a:ea typeface="KoPub돋움체 Bold" panose="00000800000000000000" pitchFamily="2" charset="-127"/>
-              </a:rPr>
-              <a:pPr marL="0" marR="0" lvl="0" indent="0" algn="r" defTabSz="914400" rtl="0" eaLnBrk="1" fontAlgn="auto" latinLnBrk="1" hangingPunct="1">
-                <a:lnSpc>
-                  <a:spcPct val="100000"/>
-                </a:lnSpc>
-                <a:spcBef>
-                  <a:spcPts val="0"/>
-                </a:spcBef>
-                <a:spcAft>
-                  <a:spcPts val="0"/>
-                </a:spcAft>
-                <a:buClrTx/>
-                <a:buSzTx/>
-                <a:buFontTx/>
-                <a:buNone/>
-                <a:tabLst/>
-                <a:defRPr/>
-              </a:pPr>
-              <a:t>16</a:t>
-            </a:fld>
-            <a:r>
-              <a:rPr kumimoji="0" lang="ko-KR" altLang="en-US" sz="1800" b="0" i="0" u="none" strike="noStrike" kern="1200" cap="none" spc="0" normalizeH="0" baseline="0" noProof="0">
-                <a:ln>
-                  <a:noFill/>
-                </a:ln>
-                <a:solidFill>
-                  <a:prstClr val="black"/>
-                </a:solidFill>
-                <a:effectLst/>
-                <a:uLnTx/>
-                <a:uFillTx/>
-                <a:latin typeface="KoPub돋움체 Bold" panose="00000800000000000000" pitchFamily="2" charset="-127"/>
-                <a:ea typeface="KoPub돋움체 Bold" panose="00000800000000000000" pitchFamily="2" charset="-127"/>
-              </a:rPr>
-              <a:t> </a:t>
-            </a:r>
-            <a:r>
-              <a:rPr kumimoji="0" lang="en-US" altLang="ko-KR" sz="1800" b="0" i="0" u="none" strike="noStrike" kern="1200" cap="none" spc="0" normalizeH="0" baseline="0" noProof="0">
-                <a:ln>
-                  <a:noFill/>
-                </a:ln>
-                <a:solidFill>
-                  <a:prstClr val="black"/>
-                </a:solidFill>
-                <a:effectLst/>
-                <a:uLnTx/>
-                <a:uFillTx/>
-                <a:latin typeface="KoPub돋움체 Bold" panose="00000800000000000000" pitchFamily="2" charset="-127"/>
-                <a:ea typeface="KoPub돋움체 Bold" panose="00000800000000000000" pitchFamily="2" charset="-127"/>
-              </a:rPr>
-              <a:t>-</a:t>
-            </a:r>
-          </a:p>
-        </p:txBody>
-      </p:sp>
-      <p:sp>
-        <p:nvSpPr>
-          <p:cNvPr id="6" name="TextBox 5"/>
-          <p:cNvSpPr txBox="1"/>
-          <p:nvPr/>
-        </p:nvSpPr>
-        <p:spPr>
-          <a:xfrm>
-            <a:off x="219073" y="183284"/>
-            <a:ext cx="1221809" cy="369332"/>
-          </a:xfrm>
-          <a:prstGeom prst="rect">
-            <a:avLst/>
-          </a:prstGeom>
-          <a:noFill/>
-        </p:spPr>
-        <p:txBody>
-          <a:bodyPr wrap="none">
-            <a:spAutoFit/>
-          </a:bodyPr>
-          <a:lstStyle/>
-          <a:p>
-            <a:pPr marL="0" marR="0" lvl="0" indent="0" algn="l" defTabSz="914400" rtl="0" eaLnBrk="1" fontAlgn="auto" latinLnBrk="1" hangingPunct="1">
-              <a:lnSpc>
-                <a:spcPct val="100000"/>
-              </a:lnSpc>
-              <a:spcBef>
-                <a:spcPts val="0"/>
-              </a:spcBef>
-              <a:spcAft>
-                <a:spcPts val="0"/>
-              </a:spcAft>
-              <a:buClrTx/>
-              <a:buSzTx/>
-              <a:buFontTx/>
-              <a:buNone/>
-              <a:tabLst/>
-              <a:defRPr/>
-            </a:pPr>
-            <a:r>
-              <a:rPr lang="ko-KR" altLang="en-US" b="1" dirty="0">
-                <a:solidFill>
-                  <a:prstClr val="black"/>
-                </a:solidFill>
-                <a:latin typeface="KoPub돋움체 Bold" panose="00000800000000000000" pitchFamily="2" charset="-127"/>
-                <a:ea typeface="KoPub돋움체 Bold" panose="00000800000000000000" pitchFamily="2" charset="-127"/>
-              </a:rPr>
-              <a:t>참 고 문 헌</a:t>
-            </a:r>
-            <a:endParaRPr kumimoji="0" lang="ko-KR" altLang="en-US" b="1" i="0" u="none" strike="noStrike" kern="1200" cap="none" spc="0" normalizeH="0" baseline="0" noProof="0" dirty="0">
-              <a:ln>
-                <a:noFill/>
-              </a:ln>
-              <a:solidFill>
-                <a:prstClr val="black"/>
-              </a:solidFill>
-              <a:effectLst/>
-              <a:uLnTx/>
-              <a:uFillTx/>
-              <a:latin typeface="KoPub돋움체 Bold" panose="00000800000000000000" pitchFamily="2" charset="-127"/>
-              <a:ea typeface="KoPub돋움체 Bold" panose="00000800000000000000" pitchFamily="2" charset="-127"/>
-            </a:endParaRPr>
-          </a:p>
-        </p:txBody>
-      </p:sp>
-      <p:sp>
-        <p:nvSpPr>
-          <p:cNvPr id="9" name="Rectangle 7">
-            <a:extLst>
-              <a:ext uri="{FF2B5EF4-FFF2-40B4-BE49-F238E27FC236}">
-                <a16:creationId xmlns:a16="http://schemas.microsoft.com/office/drawing/2014/main" id="{48F60409-0E67-6A43-850F-EC768F4784E4}"/>
-              </a:ext>
-            </a:extLst>
-          </p:cNvPr>
-          <p:cNvSpPr/>
-          <p:nvPr/>
-        </p:nvSpPr>
-        <p:spPr>
-          <a:xfrm>
-            <a:off x="686296" y="1244077"/>
-            <a:ext cx="10839398" cy="3790910"/>
-          </a:xfrm>
-          <a:prstGeom prst="rect">
-            <a:avLst/>
-          </a:prstGeom>
-        </p:spPr>
-        <p:txBody>
-          <a:bodyPr wrap="square">
-            <a:spAutoFit/>
-          </a:bodyPr>
-          <a:lstStyle/>
-          <a:p>
-            <a:pPr marL="285750" indent="-285750">
-              <a:lnSpc>
-                <a:spcPct val="150000"/>
-              </a:lnSpc>
-              <a:buFont typeface="Arial" panose="020B0604020202020204" pitchFamily="34" charset="0"/>
-              <a:buChar char="•"/>
-              <a:defRPr/>
-            </a:pPr>
-            <a:r>
-              <a:rPr lang="ko-KR" altLang="en-US" dirty="0">
-                <a:latin typeface="KoPub돋움체 Bold" panose="00000800000000000000" pitchFamily="2" charset="-127"/>
-                <a:ea typeface="KoPub돋움체 Bold" panose="00000800000000000000" pitchFamily="2" charset="-127"/>
-              </a:rPr>
-              <a:t>정승호</a:t>
-            </a:r>
-            <a:r>
-              <a:rPr lang="en-US" altLang="ko-KR" dirty="0">
-                <a:latin typeface="KoPub돋움체 Bold" panose="00000800000000000000" pitchFamily="2" charset="-127"/>
-                <a:ea typeface="KoPub돋움체 Bold" panose="00000800000000000000" pitchFamily="2" charset="-127"/>
-              </a:rPr>
-              <a:t>,</a:t>
-            </a:r>
-            <a:r>
-              <a:rPr lang="ko-KR" altLang="en-US" dirty="0">
-                <a:latin typeface="KoPub돋움체 Bold" panose="00000800000000000000" pitchFamily="2" charset="-127"/>
-                <a:ea typeface="KoPub돋움체 Bold" panose="00000800000000000000" pitchFamily="2" charset="-127"/>
-              </a:rPr>
-              <a:t> 박성호</a:t>
-            </a:r>
-            <a:r>
-              <a:rPr lang="en-US" altLang="ko-KR" dirty="0">
-                <a:latin typeface="KoPub돋움체 Bold" panose="00000800000000000000" pitchFamily="2" charset="-127"/>
-                <a:ea typeface="KoPub돋움체 Bold" panose="00000800000000000000" pitchFamily="2" charset="-127"/>
-              </a:rPr>
-              <a:t>,</a:t>
-            </a:r>
-            <a:r>
-              <a:rPr lang="ko-KR" altLang="en-US" dirty="0">
-                <a:latin typeface="KoPub돋움체 Bold" panose="00000800000000000000" pitchFamily="2" charset="-127"/>
-                <a:ea typeface="KoPub돋움체 Bold" panose="00000800000000000000" pitchFamily="2" charset="-127"/>
-              </a:rPr>
-              <a:t> </a:t>
-            </a:r>
-            <a:r>
-              <a:rPr lang="ko-KR" altLang="en-US" dirty="0" err="1">
-                <a:latin typeface="KoPub돋움체 Bold" panose="00000800000000000000" pitchFamily="2" charset="-127"/>
-                <a:ea typeface="KoPub돋움체 Bold" panose="00000800000000000000" pitchFamily="2" charset="-127"/>
-              </a:rPr>
-              <a:t>한도형</a:t>
-            </a:r>
-            <a:r>
-              <a:rPr lang="en-US" altLang="ko-KR" dirty="0">
-                <a:latin typeface="KoPub돋움체 Bold" panose="00000800000000000000" pitchFamily="2" charset="-127"/>
-                <a:ea typeface="KoPub돋움체 Bold" panose="00000800000000000000" pitchFamily="2" charset="-127"/>
-              </a:rPr>
-              <a:t>,</a:t>
-            </a:r>
-            <a:r>
-              <a:rPr lang="ko-KR" altLang="en-US" dirty="0">
-                <a:latin typeface="KoPub돋움체 Bold" panose="00000800000000000000" pitchFamily="2" charset="-127"/>
-                <a:ea typeface="KoPub돋움체 Bold" panose="00000800000000000000" pitchFamily="2" charset="-127"/>
-              </a:rPr>
-              <a:t> </a:t>
-            </a:r>
-            <a:r>
-              <a:rPr lang="ko-KR" altLang="en-US" dirty="0" err="1">
-                <a:latin typeface="KoPub돋움체 Bold" panose="00000800000000000000" pitchFamily="2" charset="-127"/>
-                <a:ea typeface="KoPub돋움체 Bold" panose="00000800000000000000" pitchFamily="2" charset="-127"/>
-              </a:rPr>
-              <a:t>홍수민</a:t>
-            </a:r>
-            <a:r>
-              <a:rPr lang="en-US" altLang="ko-KR" dirty="0">
-                <a:latin typeface="KoPub돋움체 Bold" panose="00000800000000000000" pitchFamily="2" charset="-127"/>
-                <a:ea typeface="KoPub돋움체 Bold" panose="00000800000000000000" pitchFamily="2" charset="-127"/>
-              </a:rPr>
-              <a:t>.</a:t>
-            </a:r>
-            <a:r>
-              <a:rPr lang="ko-KR" altLang="en-US" dirty="0">
-                <a:latin typeface="KoPub돋움체 Bold" panose="00000800000000000000" pitchFamily="2" charset="-127"/>
-                <a:ea typeface="KoPub돋움체 Bold" panose="00000800000000000000" pitchFamily="2" charset="-127"/>
-              </a:rPr>
-              <a:t> </a:t>
-            </a:r>
-            <a:r>
-              <a:rPr lang="en-US" altLang="ko-KR" dirty="0">
-                <a:latin typeface="KoPub돋움체 Bold" panose="00000800000000000000" pitchFamily="2" charset="-127"/>
-                <a:ea typeface="KoPub돋움체 Bold" panose="00000800000000000000" pitchFamily="2" charset="-127"/>
-              </a:rPr>
-              <a:t>(2021).</a:t>
-            </a:r>
-            <a:r>
-              <a:rPr lang="ko-KR" altLang="en-US" dirty="0">
-                <a:latin typeface="KoPub돋움체 Bold" panose="00000800000000000000" pitchFamily="2" charset="-127"/>
-                <a:ea typeface="KoPub돋움체 Bold" panose="00000800000000000000" pitchFamily="2" charset="-127"/>
-              </a:rPr>
-              <a:t> 모두를 위한 </a:t>
-            </a:r>
-            <a:r>
-              <a:rPr lang="en-US" altLang="ko-KR" dirty="0">
-                <a:latin typeface="KoPub돋움체 Bold" panose="00000800000000000000" pitchFamily="2" charset="-127"/>
-                <a:ea typeface="KoPub돋움체 Bold" panose="00000800000000000000" pitchFamily="2" charset="-127"/>
-              </a:rPr>
-              <a:t>PostgreSQL: </a:t>
-            </a:r>
-            <a:r>
-              <a:rPr lang="ko-KR" altLang="en-US" dirty="0">
-                <a:latin typeface="KoPub돋움체 Bold" panose="00000800000000000000" pitchFamily="2" charset="-127"/>
-                <a:ea typeface="KoPub돋움체 Bold" panose="00000800000000000000" pitchFamily="2" charset="-127"/>
-              </a:rPr>
-              <a:t>누구나 이해할 수 있는 오픈소스 데이터베이스 개발</a:t>
-            </a:r>
-            <a:r>
-              <a:rPr lang="en-US" altLang="ko-KR" dirty="0">
-                <a:latin typeface="KoPub돋움체 Bold" panose="00000800000000000000" pitchFamily="2" charset="-127"/>
-                <a:ea typeface="KoPub돋움체 Bold" panose="00000800000000000000" pitchFamily="2" charset="-127"/>
-              </a:rPr>
-              <a:t>. </a:t>
-            </a:r>
-            <a:r>
-              <a:rPr lang="ko-KR" altLang="en-US" dirty="0">
-                <a:latin typeface="KoPub돋움체 Bold" panose="00000800000000000000" pitchFamily="2" charset="-127"/>
-                <a:ea typeface="KoPub돋움체 Bold" panose="00000800000000000000" pitchFamily="2" charset="-127"/>
-              </a:rPr>
-              <a:t>서울</a:t>
-            </a:r>
-            <a:r>
-              <a:rPr lang="en-US" altLang="ko-KR" dirty="0">
-                <a:latin typeface="KoPub돋움체 Bold" panose="00000800000000000000" pitchFamily="2" charset="-127"/>
-                <a:ea typeface="KoPub돋움체 Bold" panose="00000800000000000000" pitchFamily="2" charset="-127"/>
-              </a:rPr>
-              <a:t>:</a:t>
-            </a:r>
-            <a:r>
-              <a:rPr lang="ko-KR" altLang="en-US" dirty="0">
-                <a:latin typeface="KoPub돋움체 Bold" panose="00000800000000000000" pitchFamily="2" charset="-127"/>
-                <a:ea typeface="KoPub돋움체 Bold" panose="00000800000000000000" pitchFamily="2" charset="-127"/>
-              </a:rPr>
-              <a:t> </a:t>
-            </a:r>
-            <a:r>
-              <a:rPr lang="ko-KR" altLang="en-US" dirty="0" err="1">
-                <a:latin typeface="KoPub돋움체 Bold" panose="00000800000000000000" pitchFamily="2" charset="-127"/>
-                <a:ea typeface="KoPub돋움체 Bold" panose="00000800000000000000" pitchFamily="2" charset="-127"/>
-              </a:rPr>
-              <a:t>비제이퍼블릭</a:t>
-            </a:r>
-            <a:r>
-              <a:rPr lang="en-US" altLang="ko-KR" dirty="0">
-                <a:latin typeface="KoPub돋움체 Bold" panose="00000800000000000000" pitchFamily="2" charset="-127"/>
-                <a:ea typeface="KoPub돋움체 Bold" panose="00000800000000000000" pitchFamily="2" charset="-127"/>
-              </a:rPr>
-              <a:t>.</a:t>
-            </a:r>
-            <a:r>
-              <a:rPr lang="ko-KR" altLang="en-US" dirty="0">
-                <a:latin typeface="KoPub돋움체 Bold" panose="00000800000000000000" pitchFamily="2" charset="-127"/>
-                <a:ea typeface="KoPub돋움체 Bold" panose="00000800000000000000" pitchFamily="2" charset="-127"/>
-              </a:rPr>
-              <a:t> </a:t>
-            </a:r>
-            <a:endParaRPr lang="en-US" altLang="ko-KR" dirty="0">
-              <a:latin typeface="KoPub돋움체 Bold" panose="00000800000000000000" pitchFamily="2" charset="-127"/>
-              <a:ea typeface="KoPub돋움체 Bold" panose="00000800000000000000" pitchFamily="2" charset="-127"/>
-            </a:endParaRPr>
-          </a:p>
-          <a:p>
-            <a:pPr marL="285750" indent="-285750">
-              <a:lnSpc>
-                <a:spcPct val="150000"/>
-              </a:lnSpc>
-              <a:buFont typeface="Arial" panose="020B0604020202020204" pitchFamily="34" charset="0"/>
-              <a:buChar char="•"/>
-              <a:defRPr/>
-            </a:pPr>
-            <a:endParaRPr lang="en-US" altLang="ko-KR" dirty="0">
-              <a:solidFill>
-                <a:srgbClr val="000000"/>
-              </a:solidFill>
-              <a:latin typeface="KoPub돋움체 Bold" panose="00000800000000000000" pitchFamily="2" charset="-127"/>
-              <a:ea typeface="KoPub돋움체 Bold" panose="00000800000000000000" pitchFamily="2" charset="-127"/>
-            </a:endParaRPr>
-          </a:p>
-          <a:p>
-            <a:pPr marL="285750" indent="-285750">
-              <a:lnSpc>
-                <a:spcPct val="150000"/>
-              </a:lnSpc>
-              <a:buFont typeface="Arial" panose="020B0604020202020204" pitchFamily="34" charset="0"/>
-              <a:buChar char="•"/>
-              <a:defRPr/>
-            </a:pPr>
-            <a:r>
-              <a:rPr lang="en-US" altLang="ko-KR" dirty="0">
-                <a:solidFill>
-                  <a:srgbClr val="000000"/>
-                </a:solidFill>
-                <a:latin typeface="KoPub돋움체 Bold" panose="00000800000000000000" pitchFamily="2" charset="-127"/>
-                <a:ea typeface="KoPub돋움체 Bold" panose="00000800000000000000" pitchFamily="2" charset="-127"/>
-              </a:rPr>
-              <a:t>Paul, P. (2019). </a:t>
-            </a:r>
-            <a:r>
-              <a:rPr lang="en-US" dirty="0">
-                <a:latin typeface="KoPub돋움체 Bold" panose="00000800000000000000" pitchFamily="2" charset="-127"/>
-                <a:ea typeface="KoPub돋움체 Bold" panose="00000800000000000000" pitchFamily="2" charset="-127"/>
-              </a:rPr>
-              <a:t>Beginner's Guide to PostgreSQL</a:t>
-            </a:r>
-            <a:r>
-              <a:rPr lang="en-US" dirty="0">
-                <a:solidFill>
-                  <a:srgbClr val="000000"/>
-                </a:solidFill>
-                <a:latin typeface="KoPub돋움체 Bold" panose="00000800000000000000" pitchFamily="2" charset="-127"/>
-                <a:ea typeface="KoPub돋움체 Bold" panose="00000800000000000000" pitchFamily="2" charset="-127"/>
-              </a:rPr>
-              <a:t>. </a:t>
-            </a:r>
-            <a:r>
-              <a:rPr lang="en-US" dirty="0" err="1">
-                <a:solidFill>
-                  <a:srgbClr val="000000"/>
-                </a:solidFill>
-                <a:latin typeface="KoPub돋움체 Bold" panose="00000800000000000000" pitchFamily="2" charset="-127"/>
-                <a:ea typeface="KoPub돋움체 Bold" panose="00000800000000000000" pitchFamily="2" charset="-127"/>
-              </a:rPr>
-              <a:t>DataCamp</a:t>
-            </a:r>
-            <a:r>
-              <a:rPr lang="en-US" dirty="0">
-                <a:solidFill>
-                  <a:srgbClr val="000000"/>
-                </a:solidFill>
-                <a:latin typeface="KoPub돋움체 Bold" panose="00000800000000000000" pitchFamily="2" charset="-127"/>
-                <a:ea typeface="KoPub돋움체 Bold" panose="00000800000000000000" pitchFamily="2" charset="-127"/>
-              </a:rPr>
-              <a:t>. Retrieved From </a:t>
-            </a:r>
-            <a:r>
-              <a:rPr lang="en-US" dirty="0">
-                <a:solidFill>
-                  <a:srgbClr val="000000"/>
-                </a:solidFill>
-                <a:latin typeface="KoPub돋움체 Bold" panose="00000800000000000000" pitchFamily="2" charset="-127"/>
-                <a:ea typeface="KoPub돋움체 Bold" panose="00000800000000000000" pitchFamily="2" charset="-127"/>
-                <a:hlinkClick r:id="rId3"/>
-              </a:rPr>
-              <a:t>https://www.datacamp.com/community/tutorials/beginners-introduction-postgresql</a:t>
-            </a:r>
-            <a:endParaRPr lang="en-US" dirty="0">
-              <a:solidFill>
-                <a:srgbClr val="000000"/>
-              </a:solidFill>
-              <a:latin typeface="KoPub돋움체 Bold" panose="00000800000000000000" pitchFamily="2" charset="-127"/>
-              <a:ea typeface="KoPub돋움체 Bold" panose="00000800000000000000" pitchFamily="2" charset="-127"/>
-            </a:endParaRPr>
-          </a:p>
-          <a:p>
-            <a:pPr marL="285750" indent="-285750">
-              <a:lnSpc>
-                <a:spcPct val="150000"/>
-              </a:lnSpc>
-              <a:buFont typeface="Arial" panose="020B0604020202020204" pitchFamily="34" charset="0"/>
-              <a:buChar char="•"/>
-              <a:defRPr/>
-            </a:pPr>
-            <a:endParaRPr lang="en-US" dirty="0">
-              <a:latin typeface="KoPub돋움체 Bold" panose="00000800000000000000" pitchFamily="2" charset="-127"/>
-              <a:ea typeface="KoPub돋움체 Bold" panose="00000800000000000000" pitchFamily="2" charset="-127"/>
-            </a:endParaRPr>
-          </a:p>
-          <a:p>
-            <a:pPr marL="285750" indent="-285750">
-              <a:lnSpc>
-                <a:spcPct val="150000"/>
-              </a:lnSpc>
-              <a:buFont typeface="Arial" panose="020B0604020202020204" pitchFamily="34" charset="0"/>
-              <a:buChar char="•"/>
-              <a:defRPr/>
-            </a:pPr>
-            <a:r>
-              <a:rPr lang="en-US" dirty="0">
-                <a:latin typeface="KoPub돋움체 Bold" panose="00000800000000000000" pitchFamily="2" charset="-127"/>
-                <a:ea typeface="KoPub돋움체 Bold" panose="00000800000000000000" pitchFamily="2" charset="-127"/>
-              </a:rPr>
-              <a:t>PostgreSQL 13.3 Documentation, </a:t>
-            </a:r>
-            <a:r>
-              <a:rPr lang="en-US" dirty="0" err="1">
-                <a:latin typeface="KoPub돋움체 Bold" panose="00000800000000000000" pitchFamily="2" charset="-127"/>
-                <a:ea typeface="KoPub돋움체 Bold" panose="00000800000000000000" pitchFamily="2" charset="-127"/>
-              </a:rPr>
-              <a:t>Retrived</a:t>
-            </a:r>
-            <a:r>
-              <a:rPr lang="en-US" dirty="0">
-                <a:latin typeface="KoPub돋움체 Bold" panose="00000800000000000000" pitchFamily="2" charset="-127"/>
-                <a:ea typeface="KoPub돋움체 Bold" panose="00000800000000000000" pitchFamily="2" charset="-127"/>
-              </a:rPr>
-              <a:t> From </a:t>
-            </a:r>
-            <a:r>
-              <a:rPr lang="en-US" dirty="0">
-                <a:latin typeface="KoPub돋움체 Bold" panose="00000800000000000000" pitchFamily="2" charset="-127"/>
-                <a:ea typeface="KoPub돋움체 Bold" panose="00000800000000000000" pitchFamily="2" charset="-127"/>
-                <a:hlinkClick r:id="rId4"/>
-              </a:rPr>
-              <a:t>https://www.postgresql.org/docs/13/index.html</a:t>
-            </a:r>
-            <a:endParaRPr lang="en-US" dirty="0">
-              <a:latin typeface="KoPub돋움체 Bold" panose="00000800000000000000" pitchFamily="2" charset="-127"/>
-              <a:ea typeface="KoPub돋움체 Bold" panose="00000800000000000000" pitchFamily="2" charset="-127"/>
-            </a:endParaRPr>
-          </a:p>
-          <a:p>
-            <a:pPr>
-              <a:lnSpc>
-                <a:spcPct val="150000"/>
-              </a:lnSpc>
-              <a:defRPr/>
-            </a:pPr>
-            <a:endParaRPr lang="en-US" dirty="0">
-              <a:latin typeface="KoPub돋움체 Bold" panose="00000800000000000000" pitchFamily="2" charset="-127"/>
-              <a:ea typeface="KoPub돋움체 Bold" panose="00000800000000000000" pitchFamily="2" charset="-127"/>
-            </a:endParaRPr>
-          </a:p>
-          <a:p>
-            <a:pPr marL="285750" indent="-285750">
-              <a:lnSpc>
-                <a:spcPct val="150000"/>
-              </a:lnSpc>
-              <a:buFont typeface="Arial" panose="020B0604020202020204" pitchFamily="34" charset="0"/>
-              <a:buChar char="•"/>
-              <a:defRPr/>
-            </a:pPr>
-            <a:r>
-              <a:rPr lang="en-US" dirty="0">
-                <a:latin typeface="KoPub돋움체 Bold" panose="00000800000000000000" pitchFamily="2" charset="-127"/>
-                <a:ea typeface="KoPub돋움체 Bold" panose="00000800000000000000" pitchFamily="2" charset="-127"/>
-              </a:rPr>
-              <a:t>PostgreSQL Tutorial, https://</a:t>
-            </a:r>
-            <a:r>
-              <a:rPr lang="en-US" dirty="0" err="1">
-                <a:latin typeface="KoPub돋움체 Bold" panose="00000800000000000000" pitchFamily="2" charset="-127"/>
-                <a:ea typeface="KoPub돋움체 Bold" panose="00000800000000000000" pitchFamily="2" charset="-127"/>
-              </a:rPr>
-              <a:t>www.postgresqltutorial.com</a:t>
-            </a:r>
-            <a:r>
-              <a:rPr lang="en-US" dirty="0">
-                <a:latin typeface="KoPub돋움체 Bold" panose="00000800000000000000" pitchFamily="2" charset="-127"/>
-                <a:ea typeface="KoPub돋움체 Bold" panose="00000800000000000000" pitchFamily="2" charset="-127"/>
-              </a:rPr>
-              <a:t>/</a:t>
-            </a:r>
-            <a:r>
-              <a:rPr lang="en-US" dirty="0" err="1">
-                <a:latin typeface="KoPub돋움체 Bold" panose="00000800000000000000" pitchFamily="2" charset="-127"/>
-                <a:ea typeface="KoPub돋움체 Bold" panose="00000800000000000000" pitchFamily="2" charset="-127"/>
-              </a:rPr>
-              <a:t>postgresql</a:t>
-            </a:r>
-            <a:r>
-              <a:rPr lang="en-US" dirty="0">
-                <a:latin typeface="KoPub돋움체 Bold" panose="00000800000000000000" pitchFamily="2" charset="-127"/>
-                <a:ea typeface="KoPub돋움체 Bold" panose="00000800000000000000" pitchFamily="2" charset="-127"/>
-              </a:rPr>
-              <a:t>-subquery/</a:t>
-            </a:r>
-          </a:p>
-        </p:txBody>
-      </p:sp>
-    </p:spTree>
-    <p:extLst>
-      <p:ext uri="{BB962C8B-B14F-4D97-AF65-F5344CB8AC3E}">
-        <p14:creationId xmlns:p14="http://schemas.microsoft.com/office/powerpoint/2010/main" val="432409311"/>
-      </p:ext>
-    </p:extLst>
-  </p:cSld>
-  <p:clrMapOvr>
-    <a:masterClrMapping/>
-  </p:clrMapOvr>
-  <mc:AlternateContent xmlns:mc="http://schemas.openxmlformats.org/markup-compatibility/2006" xmlns:p14="http://schemas.microsoft.com/office/powerpoint/2010/main">
-    <mc:Choice Requires="p14">
-      <p:transition/>
-    </mc:Choice>
-    <mc:Fallback xmlns="" xmlns:c="http://schemas.openxmlformats.org/drawingml/2006/chart" xmlns:dgm="http://schemas.openxmlformats.org/drawingml/2006/diagram" xmlns:dsp="http://schemas.microsoft.com/office/drawing/2008/diagram">
-      <p:transition/>
-    </mc:Fallback>
-  </mc:AlternateContent>
-</p:sld>
-</file>
-
 <file path=ppt/slides/slide2.xml><?xml version="1.0" encoding="utf-8"?>
 <p:sld xmlns:a="http://schemas.openxmlformats.org/drawingml/2006/main" xmlns:r="http://schemas.openxmlformats.org/officeDocument/2006/relationships" xmlns:p="http://schemas.openxmlformats.org/presentationml/2006/main">
   <p:cSld>
@@ -8574,6 +10175,632 @@
   <p:clrMapOvr>
     <a:overrideClrMapping bg1="lt1" tx1="dk1" bg2="lt2" tx2="dk2" accent1="accent1" accent2="accent2" accent3="accent3" accent4="accent4" accent5="accent5" accent6="accent6" hlink="hlink" folHlink="folHlink"/>
   </p:clrMapOvr>
+</p:sld>
+</file>
+
+<file path=ppt/slides/slide20.xml><?xml version="1.0" encoding="utf-8"?>
+<p:sld xmlns:a="http://schemas.openxmlformats.org/drawingml/2006/main" xmlns:r="http://schemas.openxmlformats.org/officeDocument/2006/relationships" xmlns:p="http://schemas.openxmlformats.org/presentationml/2006/main">
+  <p:cSld>
+    <p:spTree>
+      <p:nvGrpSpPr>
+        <p:cNvPr id="1" name=""/>
+        <p:cNvGrpSpPr/>
+        <p:nvPr/>
+      </p:nvGrpSpPr>
+      <p:grpSpPr>
+        <a:xfrm>
+          <a:off x="0" y="0"/>
+          <a:ext cx="0" cy="0"/>
+          <a:chOff x="0" y="0"/>
+          <a:chExt cx="0" cy="0"/>
+        </a:xfrm>
+      </p:grpSpPr>
+      <p:sp>
+        <p:nvSpPr>
+          <p:cNvPr id="5" name="슬라이드 번호 개체 틀 4"/>
+          <p:cNvSpPr>
+            <a:spLocks noGrp="1"/>
+          </p:cNvSpPr>
+          <p:nvPr>
+            <p:ph type="sldNum" sz="quarter" idx="12"/>
+          </p:nvPr>
+        </p:nvSpPr>
+        <p:spPr>
+          <a:xfrm>
+            <a:off x="9171530" y="6338653"/>
+            <a:ext cx="2743200" cy="365125"/>
+          </a:xfrm>
+        </p:spPr>
+        <p:txBody>
+          <a:bodyPr/>
+          <a:lstStyle/>
+          <a:p>
+            <a:pPr marL="0" marR="0" lvl="0" indent="0" algn="r" defTabSz="914400" rtl="0" eaLnBrk="1" fontAlgn="auto" latinLnBrk="1" hangingPunct="1">
+              <a:lnSpc>
+                <a:spcPct val="100000"/>
+              </a:lnSpc>
+              <a:spcBef>
+                <a:spcPts val="0"/>
+              </a:spcBef>
+              <a:spcAft>
+                <a:spcPts val="0"/>
+              </a:spcAft>
+              <a:buClrTx/>
+              <a:buSzTx/>
+              <a:buFontTx/>
+              <a:buNone/>
+              <a:tabLst/>
+              <a:defRPr/>
+            </a:pPr>
+            <a:r>
+              <a:rPr kumimoji="0" lang="en-US" altLang="ko-KR" sz="1800" b="0" i="0" u="none" strike="noStrike" kern="1200" cap="none" spc="0" normalizeH="0" baseline="0" noProof="0">
+                <a:ln>
+                  <a:noFill/>
+                </a:ln>
+                <a:solidFill>
+                  <a:prstClr val="black"/>
+                </a:solidFill>
+                <a:effectLst/>
+                <a:uLnTx/>
+                <a:uFillTx/>
+                <a:latin typeface="KoPub돋움체 Bold" panose="00000800000000000000" pitchFamily="2" charset="-127"/>
+                <a:ea typeface="KoPub돋움체 Bold" panose="00000800000000000000" pitchFamily="2" charset="-127"/>
+              </a:rPr>
+              <a:t>- </a:t>
+            </a:r>
+            <a:fld id="{AF13D911-202B-4710-8554-D7B423191ADD}" type="slidenum">
+              <a:rPr kumimoji="0" lang="en-US" altLang="en-US" sz="1800" b="0" i="0" u="none" strike="noStrike" kern="1200" cap="none" spc="0" normalizeH="0" baseline="0" noProof="0">
+                <a:ln>
+                  <a:noFill/>
+                </a:ln>
+                <a:solidFill>
+                  <a:prstClr val="black"/>
+                </a:solidFill>
+                <a:effectLst/>
+                <a:uLnTx/>
+                <a:uFillTx/>
+                <a:latin typeface="KoPub돋움체 Bold" panose="00000800000000000000" pitchFamily="2" charset="-127"/>
+                <a:ea typeface="KoPub돋움체 Bold" panose="00000800000000000000" pitchFamily="2" charset="-127"/>
+              </a:rPr>
+              <a:pPr marL="0" marR="0" lvl="0" indent="0" algn="r" defTabSz="914400" rtl="0" eaLnBrk="1" fontAlgn="auto" latinLnBrk="1" hangingPunct="1">
+                <a:lnSpc>
+                  <a:spcPct val="100000"/>
+                </a:lnSpc>
+                <a:spcBef>
+                  <a:spcPts val="0"/>
+                </a:spcBef>
+                <a:spcAft>
+                  <a:spcPts val="0"/>
+                </a:spcAft>
+                <a:buClrTx/>
+                <a:buSzTx/>
+                <a:buFontTx/>
+                <a:buNone/>
+                <a:tabLst/>
+                <a:defRPr/>
+              </a:pPr>
+              <a:t>20</a:t>
+            </a:fld>
+            <a:r>
+              <a:rPr kumimoji="0" lang="ko-KR" altLang="en-US" sz="1800" b="0" i="0" u="none" strike="noStrike" kern="1200" cap="none" spc="0" normalizeH="0" baseline="0" noProof="0">
+                <a:ln>
+                  <a:noFill/>
+                </a:ln>
+                <a:solidFill>
+                  <a:prstClr val="black"/>
+                </a:solidFill>
+                <a:effectLst/>
+                <a:uLnTx/>
+                <a:uFillTx/>
+                <a:latin typeface="KoPub돋움체 Bold" panose="00000800000000000000" pitchFamily="2" charset="-127"/>
+                <a:ea typeface="KoPub돋움체 Bold" panose="00000800000000000000" pitchFamily="2" charset="-127"/>
+              </a:rPr>
+              <a:t> </a:t>
+            </a:r>
+            <a:r>
+              <a:rPr kumimoji="0" lang="en-US" altLang="ko-KR" sz="1800" b="0" i="0" u="none" strike="noStrike" kern="1200" cap="none" spc="0" normalizeH="0" baseline="0" noProof="0">
+                <a:ln>
+                  <a:noFill/>
+                </a:ln>
+                <a:solidFill>
+                  <a:prstClr val="black"/>
+                </a:solidFill>
+                <a:effectLst/>
+                <a:uLnTx/>
+                <a:uFillTx/>
+                <a:latin typeface="KoPub돋움체 Bold" panose="00000800000000000000" pitchFamily="2" charset="-127"/>
+                <a:ea typeface="KoPub돋움체 Bold" panose="00000800000000000000" pitchFamily="2" charset="-127"/>
+              </a:rPr>
+              <a:t>-</a:t>
+            </a:r>
+          </a:p>
+        </p:txBody>
+      </p:sp>
+      <p:sp>
+        <p:nvSpPr>
+          <p:cNvPr id="6" name="TextBox 5"/>
+          <p:cNvSpPr txBox="1"/>
+          <p:nvPr/>
+        </p:nvSpPr>
+        <p:spPr>
+          <a:xfrm>
+            <a:off x="219073" y="183284"/>
+            <a:ext cx="1221809" cy="369332"/>
+          </a:xfrm>
+          <a:prstGeom prst="rect">
+            <a:avLst/>
+          </a:prstGeom>
+          <a:noFill/>
+        </p:spPr>
+        <p:txBody>
+          <a:bodyPr wrap="none">
+            <a:spAutoFit/>
+          </a:bodyPr>
+          <a:lstStyle/>
+          <a:p>
+            <a:pPr marL="0" marR="0" lvl="0" indent="0" algn="l" defTabSz="914400" rtl="0" eaLnBrk="1" fontAlgn="auto" latinLnBrk="1" hangingPunct="1">
+              <a:lnSpc>
+                <a:spcPct val="100000"/>
+              </a:lnSpc>
+              <a:spcBef>
+                <a:spcPts val="0"/>
+              </a:spcBef>
+              <a:spcAft>
+                <a:spcPts val="0"/>
+              </a:spcAft>
+              <a:buClrTx/>
+              <a:buSzTx/>
+              <a:buFontTx/>
+              <a:buNone/>
+              <a:tabLst/>
+              <a:defRPr/>
+            </a:pPr>
+            <a:r>
+              <a:rPr lang="ko-KR" altLang="en-US" b="1" dirty="0">
+                <a:solidFill>
+                  <a:prstClr val="black"/>
+                </a:solidFill>
+                <a:latin typeface="KoPub돋움체 Bold" panose="00000800000000000000" pitchFamily="2" charset="-127"/>
+                <a:ea typeface="KoPub돋움체 Bold" panose="00000800000000000000" pitchFamily="2" charset="-127"/>
+              </a:rPr>
+              <a:t>참 고 문 헌</a:t>
+            </a:r>
+            <a:endParaRPr kumimoji="0" lang="ko-KR" altLang="en-US" b="1" i="0" u="none" strike="noStrike" kern="1200" cap="none" spc="0" normalizeH="0" baseline="0" noProof="0" dirty="0">
+              <a:ln>
+                <a:noFill/>
+              </a:ln>
+              <a:solidFill>
+                <a:prstClr val="black"/>
+              </a:solidFill>
+              <a:effectLst/>
+              <a:uLnTx/>
+              <a:uFillTx/>
+              <a:latin typeface="KoPub돋움체 Bold" panose="00000800000000000000" pitchFamily="2" charset="-127"/>
+              <a:ea typeface="KoPub돋움체 Bold" panose="00000800000000000000" pitchFamily="2" charset="-127"/>
+            </a:endParaRPr>
+          </a:p>
+        </p:txBody>
+      </p:sp>
+      <p:sp>
+        <p:nvSpPr>
+          <p:cNvPr id="9" name="Rectangle 7">
+            <a:extLst>
+              <a:ext uri="{FF2B5EF4-FFF2-40B4-BE49-F238E27FC236}">
+                <a16:creationId xmlns:a16="http://schemas.microsoft.com/office/drawing/2014/main" id="{48F60409-0E67-6A43-850F-EC768F4784E4}"/>
+              </a:ext>
+            </a:extLst>
+          </p:cNvPr>
+          <p:cNvSpPr/>
+          <p:nvPr/>
+        </p:nvSpPr>
+        <p:spPr>
+          <a:xfrm>
+            <a:off x="686296" y="1244077"/>
+            <a:ext cx="10839398" cy="3790910"/>
+          </a:xfrm>
+          <a:prstGeom prst="rect">
+            <a:avLst/>
+          </a:prstGeom>
+        </p:spPr>
+        <p:txBody>
+          <a:bodyPr wrap="square">
+            <a:spAutoFit/>
+          </a:bodyPr>
+          <a:lstStyle/>
+          <a:p>
+            <a:pPr marL="285750" indent="-285750">
+              <a:lnSpc>
+                <a:spcPct val="150000"/>
+              </a:lnSpc>
+              <a:buFont typeface="Arial" panose="020B0604020202020204" pitchFamily="34" charset="0"/>
+              <a:buChar char="•"/>
+              <a:defRPr/>
+            </a:pPr>
+            <a:r>
+              <a:rPr lang="ko-KR" altLang="en-US" dirty="0">
+                <a:latin typeface="KoPub돋움체 Bold" panose="00000800000000000000" pitchFamily="2" charset="-127"/>
+                <a:ea typeface="KoPub돋움체 Bold" panose="00000800000000000000" pitchFamily="2" charset="-127"/>
+              </a:rPr>
+              <a:t>정승호</a:t>
+            </a:r>
+            <a:r>
+              <a:rPr lang="en-US" altLang="ko-KR" dirty="0">
+                <a:latin typeface="KoPub돋움체 Bold" panose="00000800000000000000" pitchFamily="2" charset="-127"/>
+                <a:ea typeface="KoPub돋움체 Bold" panose="00000800000000000000" pitchFamily="2" charset="-127"/>
+              </a:rPr>
+              <a:t>,</a:t>
+            </a:r>
+            <a:r>
+              <a:rPr lang="ko-KR" altLang="en-US" dirty="0">
+                <a:latin typeface="KoPub돋움체 Bold" panose="00000800000000000000" pitchFamily="2" charset="-127"/>
+                <a:ea typeface="KoPub돋움체 Bold" panose="00000800000000000000" pitchFamily="2" charset="-127"/>
+              </a:rPr>
+              <a:t> 박성호</a:t>
+            </a:r>
+            <a:r>
+              <a:rPr lang="en-US" altLang="ko-KR" dirty="0">
+                <a:latin typeface="KoPub돋움체 Bold" panose="00000800000000000000" pitchFamily="2" charset="-127"/>
+                <a:ea typeface="KoPub돋움체 Bold" panose="00000800000000000000" pitchFamily="2" charset="-127"/>
+              </a:rPr>
+              <a:t>,</a:t>
+            </a:r>
+            <a:r>
+              <a:rPr lang="ko-KR" altLang="en-US" dirty="0">
+                <a:latin typeface="KoPub돋움체 Bold" panose="00000800000000000000" pitchFamily="2" charset="-127"/>
+                <a:ea typeface="KoPub돋움체 Bold" panose="00000800000000000000" pitchFamily="2" charset="-127"/>
+              </a:rPr>
+              <a:t> </a:t>
+            </a:r>
+            <a:r>
+              <a:rPr lang="ko-KR" altLang="en-US" dirty="0" err="1">
+                <a:latin typeface="KoPub돋움체 Bold" panose="00000800000000000000" pitchFamily="2" charset="-127"/>
+                <a:ea typeface="KoPub돋움체 Bold" panose="00000800000000000000" pitchFamily="2" charset="-127"/>
+              </a:rPr>
+              <a:t>한도형</a:t>
+            </a:r>
+            <a:r>
+              <a:rPr lang="en-US" altLang="ko-KR" dirty="0">
+                <a:latin typeface="KoPub돋움체 Bold" panose="00000800000000000000" pitchFamily="2" charset="-127"/>
+                <a:ea typeface="KoPub돋움체 Bold" panose="00000800000000000000" pitchFamily="2" charset="-127"/>
+              </a:rPr>
+              <a:t>,</a:t>
+            </a:r>
+            <a:r>
+              <a:rPr lang="ko-KR" altLang="en-US" dirty="0">
+                <a:latin typeface="KoPub돋움체 Bold" panose="00000800000000000000" pitchFamily="2" charset="-127"/>
+                <a:ea typeface="KoPub돋움체 Bold" panose="00000800000000000000" pitchFamily="2" charset="-127"/>
+              </a:rPr>
+              <a:t> </a:t>
+            </a:r>
+            <a:r>
+              <a:rPr lang="ko-KR" altLang="en-US" dirty="0" err="1">
+                <a:latin typeface="KoPub돋움체 Bold" panose="00000800000000000000" pitchFamily="2" charset="-127"/>
+                <a:ea typeface="KoPub돋움체 Bold" panose="00000800000000000000" pitchFamily="2" charset="-127"/>
+              </a:rPr>
+              <a:t>홍수민</a:t>
+            </a:r>
+            <a:r>
+              <a:rPr lang="en-US" altLang="ko-KR" dirty="0">
+                <a:latin typeface="KoPub돋움체 Bold" panose="00000800000000000000" pitchFamily="2" charset="-127"/>
+                <a:ea typeface="KoPub돋움체 Bold" panose="00000800000000000000" pitchFamily="2" charset="-127"/>
+              </a:rPr>
+              <a:t>.</a:t>
+            </a:r>
+            <a:r>
+              <a:rPr lang="ko-KR" altLang="en-US" dirty="0">
+                <a:latin typeface="KoPub돋움체 Bold" panose="00000800000000000000" pitchFamily="2" charset="-127"/>
+                <a:ea typeface="KoPub돋움체 Bold" panose="00000800000000000000" pitchFamily="2" charset="-127"/>
+              </a:rPr>
+              <a:t> </a:t>
+            </a:r>
+            <a:r>
+              <a:rPr lang="en-US" altLang="ko-KR" dirty="0">
+                <a:latin typeface="KoPub돋움체 Bold" panose="00000800000000000000" pitchFamily="2" charset="-127"/>
+                <a:ea typeface="KoPub돋움체 Bold" panose="00000800000000000000" pitchFamily="2" charset="-127"/>
+              </a:rPr>
+              <a:t>(2021).</a:t>
+            </a:r>
+            <a:r>
+              <a:rPr lang="ko-KR" altLang="en-US" dirty="0">
+                <a:latin typeface="KoPub돋움체 Bold" panose="00000800000000000000" pitchFamily="2" charset="-127"/>
+                <a:ea typeface="KoPub돋움체 Bold" panose="00000800000000000000" pitchFamily="2" charset="-127"/>
+              </a:rPr>
+              <a:t> 모두를 위한 </a:t>
+            </a:r>
+            <a:r>
+              <a:rPr lang="en-US" altLang="ko-KR" dirty="0">
+                <a:latin typeface="KoPub돋움체 Bold" panose="00000800000000000000" pitchFamily="2" charset="-127"/>
+                <a:ea typeface="KoPub돋움체 Bold" panose="00000800000000000000" pitchFamily="2" charset="-127"/>
+              </a:rPr>
+              <a:t>PostgreSQL: </a:t>
+            </a:r>
+            <a:r>
+              <a:rPr lang="ko-KR" altLang="en-US" dirty="0">
+                <a:latin typeface="KoPub돋움체 Bold" panose="00000800000000000000" pitchFamily="2" charset="-127"/>
+                <a:ea typeface="KoPub돋움체 Bold" panose="00000800000000000000" pitchFamily="2" charset="-127"/>
+              </a:rPr>
+              <a:t>누구나 이해할 수 있는 오픈소스 데이터베이스 개발</a:t>
+            </a:r>
+            <a:r>
+              <a:rPr lang="en-US" altLang="ko-KR" dirty="0">
+                <a:latin typeface="KoPub돋움체 Bold" panose="00000800000000000000" pitchFamily="2" charset="-127"/>
+                <a:ea typeface="KoPub돋움체 Bold" panose="00000800000000000000" pitchFamily="2" charset="-127"/>
+              </a:rPr>
+              <a:t>. </a:t>
+            </a:r>
+            <a:r>
+              <a:rPr lang="ko-KR" altLang="en-US" dirty="0">
+                <a:latin typeface="KoPub돋움체 Bold" panose="00000800000000000000" pitchFamily="2" charset="-127"/>
+                <a:ea typeface="KoPub돋움체 Bold" panose="00000800000000000000" pitchFamily="2" charset="-127"/>
+              </a:rPr>
+              <a:t>서울</a:t>
+            </a:r>
+            <a:r>
+              <a:rPr lang="en-US" altLang="ko-KR" dirty="0">
+                <a:latin typeface="KoPub돋움체 Bold" panose="00000800000000000000" pitchFamily="2" charset="-127"/>
+                <a:ea typeface="KoPub돋움체 Bold" panose="00000800000000000000" pitchFamily="2" charset="-127"/>
+              </a:rPr>
+              <a:t>:</a:t>
+            </a:r>
+            <a:r>
+              <a:rPr lang="ko-KR" altLang="en-US" dirty="0">
+                <a:latin typeface="KoPub돋움체 Bold" panose="00000800000000000000" pitchFamily="2" charset="-127"/>
+                <a:ea typeface="KoPub돋움체 Bold" panose="00000800000000000000" pitchFamily="2" charset="-127"/>
+              </a:rPr>
+              <a:t> </a:t>
+            </a:r>
+            <a:r>
+              <a:rPr lang="ko-KR" altLang="en-US" dirty="0" err="1">
+                <a:latin typeface="KoPub돋움체 Bold" panose="00000800000000000000" pitchFamily="2" charset="-127"/>
+                <a:ea typeface="KoPub돋움체 Bold" panose="00000800000000000000" pitchFamily="2" charset="-127"/>
+              </a:rPr>
+              <a:t>비제이퍼블릭</a:t>
+            </a:r>
+            <a:r>
+              <a:rPr lang="en-US" altLang="ko-KR" dirty="0">
+                <a:latin typeface="KoPub돋움체 Bold" panose="00000800000000000000" pitchFamily="2" charset="-127"/>
+                <a:ea typeface="KoPub돋움체 Bold" panose="00000800000000000000" pitchFamily="2" charset="-127"/>
+              </a:rPr>
+              <a:t>.</a:t>
+            </a:r>
+            <a:r>
+              <a:rPr lang="ko-KR" altLang="en-US" dirty="0">
+                <a:latin typeface="KoPub돋움체 Bold" panose="00000800000000000000" pitchFamily="2" charset="-127"/>
+                <a:ea typeface="KoPub돋움체 Bold" panose="00000800000000000000" pitchFamily="2" charset="-127"/>
+              </a:rPr>
+              <a:t> </a:t>
+            </a:r>
+            <a:endParaRPr lang="en-US" altLang="ko-KR" dirty="0">
+              <a:latin typeface="KoPub돋움체 Bold" panose="00000800000000000000" pitchFamily="2" charset="-127"/>
+              <a:ea typeface="KoPub돋움체 Bold" panose="00000800000000000000" pitchFamily="2" charset="-127"/>
+            </a:endParaRPr>
+          </a:p>
+          <a:p>
+            <a:pPr marL="285750" indent="-285750">
+              <a:lnSpc>
+                <a:spcPct val="150000"/>
+              </a:lnSpc>
+              <a:buFont typeface="Arial" panose="020B0604020202020204" pitchFamily="34" charset="0"/>
+              <a:buChar char="•"/>
+              <a:defRPr/>
+            </a:pPr>
+            <a:endParaRPr lang="en-US" altLang="ko-KR" dirty="0">
+              <a:solidFill>
+                <a:srgbClr val="000000"/>
+              </a:solidFill>
+              <a:latin typeface="KoPub돋움체 Bold" panose="00000800000000000000" pitchFamily="2" charset="-127"/>
+              <a:ea typeface="KoPub돋움체 Bold" panose="00000800000000000000" pitchFamily="2" charset="-127"/>
+            </a:endParaRPr>
+          </a:p>
+          <a:p>
+            <a:pPr marL="285750" indent="-285750">
+              <a:lnSpc>
+                <a:spcPct val="150000"/>
+              </a:lnSpc>
+              <a:buFont typeface="Arial" panose="020B0604020202020204" pitchFamily="34" charset="0"/>
+              <a:buChar char="•"/>
+              <a:defRPr/>
+            </a:pPr>
+            <a:r>
+              <a:rPr lang="en-US" altLang="ko-KR" dirty="0">
+                <a:solidFill>
+                  <a:srgbClr val="000000"/>
+                </a:solidFill>
+                <a:latin typeface="KoPub돋움체 Bold" panose="00000800000000000000" pitchFamily="2" charset="-127"/>
+                <a:ea typeface="KoPub돋움체 Bold" panose="00000800000000000000" pitchFamily="2" charset="-127"/>
+              </a:rPr>
+              <a:t>Paul, P. (2019). </a:t>
+            </a:r>
+            <a:r>
+              <a:rPr lang="en-US" dirty="0">
+                <a:latin typeface="KoPub돋움체 Bold" panose="00000800000000000000" pitchFamily="2" charset="-127"/>
+                <a:ea typeface="KoPub돋움체 Bold" panose="00000800000000000000" pitchFamily="2" charset="-127"/>
+              </a:rPr>
+              <a:t>Beginner's Guide to PostgreSQL</a:t>
+            </a:r>
+            <a:r>
+              <a:rPr lang="en-US" dirty="0">
+                <a:solidFill>
+                  <a:srgbClr val="000000"/>
+                </a:solidFill>
+                <a:latin typeface="KoPub돋움체 Bold" panose="00000800000000000000" pitchFamily="2" charset="-127"/>
+                <a:ea typeface="KoPub돋움체 Bold" panose="00000800000000000000" pitchFamily="2" charset="-127"/>
+              </a:rPr>
+              <a:t>. </a:t>
+            </a:r>
+            <a:r>
+              <a:rPr lang="en-US" dirty="0" err="1">
+                <a:solidFill>
+                  <a:srgbClr val="000000"/>
+                </a:solidFill>
+                <a:latin typeface="KoPub돋움체 Bold" panose="00000800000000000000" pitchFamily="2" charset="-127"/>
+                <a:ea typeface="KoPub돋움체 Bold" panose="00000800000000000000" pitchFamily="2" charset="-127"/>
+              </a:rPr>
+              <a:t>DataCamp</a:t>
+            </a:r>
+            <a:r>
+              <a:rPr lang="en-US" dirty="0">
+                <a:solidFill>
+                  <a:srgbClr val="000000"/>
+                </a:solidFill>
+                <a:latin typeface="KoPub돋움체 Bold" panose="00000800000000000000" pitchFamily="2" charset="-127"/>
+                <a:ea typeface="KoPub돋움체 Bold" panose="00000800000000000000" pitchFamily="2" charset="-127"/>
+              </a:rPr>
+              <a:t>. Retrieved From </a:t>
+            </a:r>
+            <a:r>
+              <a:rPr lang="en-US" dirty="0">
+                <a:solidFill>
+                  <a:srgbClr val="000000"/>
+                </a:solidFill>
+                <a:latin typeface="KoPub돋움체 Bold" panose="00000800000000000000" pitchFamily="2" charset="-127"/>
+                <a:ea typeface="KoPub돋움체 Bold" panose="00000800000000000000" pitchFamily="2" charset="-127"/>
+                <a:hlinkClick r:id="rId3"/>
+              </a:rPr>
+              <a:t>https://www.datacamp.com/community/tutorials/beginners-introduction-postgresql</a:t>
+            </a:r>
+            <a:endParaRPr lang="en-US" dirty="0">
+              <a:solidFill>
+                <a:srgbClr val="000000"/>
+              </a:solidFill>
+              <a:latin typeface="KoPub돋움체 Bold" panose="00000800000000000000" pitchFamily="2" charset="-127"/>
+              <a:ea typeface="KoPub돋움체 Bold" panose="00000800000000000000" pitchFamily="2" charset="-127"/>
+            </a:endParaRPr>
+          </a:p>
+          <a:p>
+            <a:pPr marL="285750" indent="-285750">
+              <a:lnSpc>
+                <a:spcPct val="150000"/>
+              </a:lnSpc>
+              <a:buFont typeface="Arial" panose="020B0604020202020204" pitchFamily="34" charset="0"/>
+              <a:buChar char="•"/>
+              <a:defRPr/>
+            </a:pPr>
+            <a:endParaRPr lang="en-US" dirty="0">
+              <a:latin typeface="KoPub돋움체 Bold" panose="00000800000000000000" pitchFamily="2" charset="-127"/>
+              <a:ea typeface="KoPub돋움체 Bold" panose="00000800000000000000" pitchFamily="2" charset="-127"/>
+            </a:endParaRPr>
+          </a:p>
+          <a:p>
+            <a:pPr marL="285750" indent="-285750">
+              <a:lnSpc>
+                <a:spcPct val="150000"/>
+              </a:lnSpc>
+              <a:buFont typeface="Arial" panose="020B0604020202020204" pitchFamily="34" charset="0"/>
+              <a:buChar char="•"/>
+              <a:defRPr/>
+            </a:pPr>
+            <a:r>
+              <a:rPr lang="en-US" dirty="0">
+                <a:latin typeface="KoPub돋움체 Bold" panose="00000800000000000000" pitchFamily="2" charset="-127"/>
+                <a:ea typeface="KoPub돋움체 Bold" panose="00000800000000000000" pitchFamily="2" charset="-127"/>
+              </a:rPr>
+              <a:t>PostgreSQL 13.3 Documentation, </a:t>
+            </a:r>
+            <a:r>
+              <a:rPr lang="en-US" dirty="0" err="1">
+                <a:latin typeface="KoPub돋움체 Bold" panose="00000800000000000000" pitchFamily="2" charset="-127"/>
+                <a:ea typeface="KoPub돋움체 Bold" panose="00000800000000000000" pitchFamily="2" charset="-127"/>
+              </a:rPr>
+              <a:t>Retrived</a:t>
+            </a:r>
+            <a:r>
+              <a:rPr lang="en-US" dirty="0">
+                <a:latin typeface="KoPub돋움체 Bold" panose="00000800000000000000" pitchFamily="2" charset="-127"/>
+                <a:ea typeface="KoPub돋움체 Bold" panose="00000800000000000000" pitchFamily="2" charset="-127"/>
+              </a:rPr>
+              <a:t> From </a:t>
+            </a:r>
+            <a:r>
+              <a:rPr lang="en-US" dirty="0">
+                <a:latin typeface="KoPub돋움체 Bold" panose="00000800000000000000" pitchFamily="2" charset="-127"/>
+                <a:ea typeface="KoPub돋움체 Bold" panose="00000800000000000000" pitchFamily="2" charset="-127"/>
+                <a:hlinkClick r:id="rId4"/>
+              </a:rPr>
+              <a:t>https://www.postgresql.org/docs/13/index.html</a:t>
+            </a:r>
+            <a:endParaRPr lang="en-US" dirty="0">
+              <a:latin typeface="KoPub돋움체 Bold" panose="00000800000000000000" pitchFamily="2" charset="-127"/>
+              <a:ea typeface="KoPub돋움체 Bold" panose="00000800000000000000" pitchFamily="2" charset="-127"/>
+            </a:endParaRPr>
+          </a:p>
+          <a:p>
+            <a:pPr>
+              <a:lnSpc>
+                <a:spcPct val="150000"/>
+              </a:lnSpc>
+              <a:defRPr/>
+            </a:pPr>
+            <a:endParaRPr lang="en-US" dirty="0">
+              <a:latin typeface="KoPub돋움체 Bold" panose="00000800000000000000" pitchFamily="2" charset="-127"/>
+              <a:ea typeface="KoPub돋움체 Bold" panose="00000800000000000000" pitchFamily="2" charset="-127"/>
+            </a:endParaRPr>
+          </a:p>
+          <a:p>
+            <a:pPr marL="285750" indent="-285750">
+              <a:lnSpc>
+                <a:spcPct val="150000"/>
+              </a:lnSpc>
+              <a:buFont typeface="Arial" panose="020B0604020202020204" pitchFamily="34" charset="0"/>
+              <a:buChar char="•"/>
+              <a:defRPr/>
+            </a:pPr>
+            <a:r>
+              <a:rPr lang="en-US" dirty="0">
+                <a:latin typeface="KoPub돋움체 Bold" panose="00000800000000000000" pitchFamily="2" charset="-127"/>
+                <a:ea typeface="KoPub돋움체 Bold" panose="00000800000000000000" pitchFamily="2" charset="-127"/>
+              </a:rPr>
+              <a:t>PostgreSQL Tutorial, https://</a:t>
+            </a:r>
+            <a:r>
+              <a:rPr lang="en-US" dirty="0" err="1">
+                <a:latin typeface="KoPub돋움체 Bold" panose="00000800000000000000" pitchFamily="2" charset="-127"/>
+                <a:ea typeface="KoPub돋움체 Bold" panose="00000800000000000000" pitchFamily="2" charset="-127"/>
+              </a:rPr>
+              <a:t>www.postgresqltutorial.com</a:t>
+            </a:r>
+            <a:r>
+              <a:rPr lang="en-US" dirty="0">
+                <a:latin typeface="KoPub돋움체 Bold" panose="00000800000000000000" pitchFamily="2" charset="-127"/>
+                <a:ea typeface="KoPub돋움체 Bold" panose="00000800000000000000" pitchFamily="2" charset="-127"/>
+              </a:rPr>
+              <a:t>/</a:t>
+            </a:r>
+            <a:r>
+              <a:rPr lang="en-US" dirty="0" err="1">
+                <a:latin typeface="KoPub돋움체 Bold" panose="00000800000000000000" pitchFamily="2" charset="-127"/>
+                <a:ea typeface="KoPub돋움체 Bold" panose="00000800000000000000" pitchFamily="2" charset="-127"/>
+              </a:rPr>
+              <a:t>postgresql</a:t>
+            </a:r>
+            <a:r>
+              <a:rPr lang="en-US" dirty="0">
+                <a:latin typeface="KoPub돋움체 Bold" panose="00000800000000000000" pitchFamily="2" charset="-127"/>
+                <a:ea typeface="KoPub돋움체 Bold" panose="00000800000000000000" pitchFamily="2" charset="-127"/>
+              </a:rPr>
+              <a:t>-subquery/</a:t>
+            </a:r>
+          </a:p>
+        </p:txBody>
+      </p:sp>
+    </p:spTree>
+    <p:extLst>
+      <p:ext uri="{BB962C8B-B14F-4D97-AF65-F5344CB8AC3E}">
+        <p14:creationId xmlns:p14="http://schemas.microsoft.com/office/powerpoint/2010/main" val="432409311"/>
+      </p:ext>
+    </p:extLst>
+  </p:cSld>
+  <p:clrMapOvr>
+    <a:masterClrMapping/>
+  </p:clrMapOvr>
+  <mc:AlternateContent xmlns:mc="http://schemas.openxmlformats.org/markup-compatibility/2006" xmlns:p14="http://schemas.microsoft.com/office/powerpoint/2010/main">
+    <mc:Choice Requires="p14">
+      <p:transition/>
+    </mc:Choice>
+    <mc:Fallback xmlns:dsp="http://schemas.microsoft.com/office/drawing/2008/diagram" xmlns:dgm="http://schemas.openxmlformats.org/drawingml/2006/diagram" xmlns:c="http://schemas.openxmlformats.org/drawingml/2006/chart" xmlns="">
+      <p:transition/>
+    </mc:Fallback>
+  </mc:AlternateContent>
 </p:sld>
 </file>
 
